--- a/internals/tutorial/z3internals.pptx
+++ b/internals/tutorial/z3internals.pptx
@@ -5,7 +5,7 @@
     <p:sldMasterId id="2147483648" r:id="rId4"/>
   </p:sldMasterIdLst>
   <p:notesMasterIdLst>
-    <p:notesMasterId r:id="rId14"/>
+    <p:notesMasterId r:id="rId25"/>
   </p:notesMasterIdLst>
   <p:sldIdLst>
     <p:sldId id="256" r:id="rId5"/>
@@ -17,6 +17,17 @@
     <p:sldId id="2146847121" r:id="rId11"/>
     <p:sldId id="2076136362" r:id="rId12"/>
     <p:sldId id="2146847123" r:id="rId13"/>
+    <p:sldId id="2146847124" r:id="rId14"/>
+    <p:sldId id="2146847126" r:id="rId15"/>
+    <p:sldId id="2146847125" r:id="rId16"/>
+    <p:sldId id="2146847127" r:id="rId17"/>
+    <p:sldId id="2146847133" r:id="rId18"/>
+    <p:sldId id="2146847128" r:id="rId19"/>
+    <p:sldId id="2146847129" r:id="rId20"/>
+    <p:sldId id="2146847130" r:id="rId21"/>
+    <p:sldId id="2146847131" r:id="rId22"/>
+    <p:sldId id="2146847132" r:id="rId23"/>
+    <p:sldId id="2146847134" r:id="rId24"/>
   </p:sldIdLst>
   <p:sldSz cx="12192000" cy="6858000"/>
   <p:notesSz cx="6858000" cy="9144000"/>
@@ -3902,22 +3913,6 @@
     </pc:docChg>
   </pc:docChgLst>
   <pc:docChgLst>
-    <pc:chgData name="Marina Polishchuk" userId="d1124fec-3359-4d68-824d-9a92ca4885b8" providerId="ADAL" clId="{EF75DE75-69F7-434E-8521-2A6B9E4735B8}"/>
-    <pc:docChg chg="sldOrd">
-      <pc:chgData name="Marina Polishchuk" userId="d1124fec-3359-4d68-824d-9a92ca4885b8" providerId="ADAL" clId="{EF75DE75-69F7-434E-8521-2A6B9E4735B8}" dt="2022-09-19T01:19:58.059" v="0" actId="20578"/>
-      <pc:docMkLst>
-        <pc:docMk/>
-      </pc:docMkLst>
-      <pc:sldChg chg="ord">
-        <pc:chgData name="Marina Polishchuk" userId="d1124fec-3359-4d68-824d-9a92ca4885b8" providerId="ADAL" clId="{EF75DE75-69F7-434E-8521-2A6B9E4735B8}" dt="2022-09-19T01:19:58.059" v="0" actId="20578"/>
-        <pc:sldMkLst>
-          <pc:docMk/>
-          <pc:sldMk cId="3387305703" sldId="256"/>
-        </pc:sldMkLst>
-      </pc:sldChg>
-    </pc:docChg>
-  </pc:docChgLst>
-  <pc:docChgLst>
     <pc:chgData name="Nikolaj Bjorner" userId="063a94de-0c49-4d58-b22f-4505b39fd664" providerId="ADAL" clId="{FE48DC8D-7F7B-44A1-8AFB-53F1EBFBB018}"/>
     <pc:docChg chg="undo custSel addSld delSld modSld sldOrd">
       <pc:chgData name="Nikolaj Bjorner" userId="063a94de-0c49-4d58-b22f-4505b39fd664" providerId="ADAL" clId="{FE48DC8D-7F7B-44A1-8AFB-53F1EBFBB018}" dt="2021-11-07T19:16:14.512" v="6235" actId="20577"/>
@@ -6664,6 +6659,22 @@
     </pc:docChg>
   </pc:docChgLst>
   <pc:docChgLst>
+    <pc:chgData name="Marina Polishchuk" userId="d1124fec-3359-4d68-824d-9a92ca4885b8" providerId="ADAL" clId="{EF75DE75-69F7-434E-8521-2A6B9E4735B8}"/>
+    <pc:docChg chg="sldOrd">
+      <pc:chgData name="Marina Polishchuk" userId="d1124fec-3359-4d68-824d-9a92ca4885b8" providerId="ADAL" clId="{EF75DE75-69F7-434E-8521-2A6B9E4735B8}" dt="2022-09-19T01:19:58.059" v="0" actId="20578"/>
+      <pc:docMkLst>
+        <pc:docMk/>
+      </pc:docMkLst>
+      <pc:sldChg chg="ord">
+        <pc:chgData name="Marina Polishchuk" userId="d1124fec-3359-4d68-824d-9a92ca4885b8" providerId="ADAL" clId="{EF75DE75-69F7-434E-8521-2A6B9E4735B8}" dt="2022-09-19T01:19:58.059" v="0" actId="20578"/>
+        <pc:sldMkLst>
+          <pc:docMk/>
+          <pc:sldMk cId="3387305703" sldId="256"/>
+        </pc:sldMkLst>
+      </pc:sldChg>
+    </pc:docChg>
+  </pc:docChgLst>
+  <pc:docChgLst>
     <pc:chgData name="Nikolaj Bjorner" userId="063a94de-0c49-4d58-b22f-4505b39fd664" providerId="ADAL" clId="{29765564-0A68-4969-910F-6636C16F6387}"/>
     <pc:docChg chg="undo custSel addSld delSld modSld sldOrd delMainMaster">
       <pc:chgData name="Nikolaj Bjorner" userId="063a94de-0c49-4d58-b22f-4505b39fd664" providerId="ADAL" clId="{29765564-0A68-4969-910F-6636C16F6387}" dt="2022-09-25T11:24:01.714" v="7860" actId="207"/>
@@ -11490,7 +11501,7 @@
           <a:p>
             <a:fld id="{E0060B70-99F6-46DC-AC28-61E24B2D140B}" type="datetimeFigureOut">
               <a:rPr lang="en-US" smtClean="0"/>
-              <a:t>1/2/2023</a:t>
+              <a:t>1/3/2023</a:t>
             </a:fld>
             <a:endParaRPr lang="en-US"/>
           </a:p>
@@ -12420,7 +12431,7 @@
           <a:p>
             <a:fld id="{D71F6AB6-6FBF-4B63-A5C3-90DEBBF6936C}" type="datetimeFigureOut">
               <a:rPr lang="en-US" smtClean="0"/>
-              <a:t>1/2/2023</a:t>
+              <a:t>1/3/2023</a:t>
             </a:fld>
             <a:endParaRPr lang="en-US"/>
           </a:p>
@@ -12618,7 +12629,7 @@
           <a:p>
             <a:fld id="{D71F6AB6-6FBF-4B63-A5C3-90DEBBF6936C}" type="datetimeFigureOut">
               <a:rPr lang="en-US" smtClean="0"/>
-              <a:t>1/2/2023</a:t>
+              <a:t>1/3/2023</a:t>
             </a:fld>
             <a:endParaRPr lang="en-US"/>
           </a:p>
@@ -12826,7 +12837,7 @@
           <a:p>
             <a:fld id="{D71F6AB6-6FBF-4B63-A5C3-90DEBBF6936C}" type="datetimeFigureOut">
               <a:rPr lang="en-US" smtClean="0"/>
-              <a:t>1/2/2023</a:t>
+              <a:t>1/3/2023</a:t>
             </a:fld>
             <a:endParaRPr lang="en-US"/>
           </a:p>
@@ -13024,7 +13035,7 @@
           <a:p>
             <a:fld id="{D71F6AB6-6FBF-4B63-A5C3-90DEBBF6936C}" type="datetimeFigureOut">
               <a:rPr lang="en-US" smtClean="0"/>
-              <a:t>1/2/2023</a:t>
+              <a:t>1/3/2023</a:t>
             </a:fld>
             <a:endParaRPr lang="en-US"/>
           </a:p>
@@ -13299,7 +13310,7 @@
           <a:p>
             <a:fld id="{D71F6AB6-6FBF-4B63-A5C3-90DEBBF6936C}" type="datetimeFigureOut">
               <a:rPr lang="en-US" smtClean="0"/>
-              <a:t>1/2/2023</a:t>
+              <a:t>1/3/2023</a:t>
             </a:fld>
             <a:endParaRPr lang="en-US"/>
           </a:p>
@@ -13564,7 +13575,7 @@
           <a:p>
             <a:fld id="{D71F6AB6-6FBF-4B63-A5C3-90DEBBF6936C}" type="datetimeFigureOut">
               <a:rPr lang="en-US" smtClean="0"/>
-              <a:t>1/2/2023</a:t>
+              <a:t>1/3/2023</a:t>
             </a:fld>
             <a:endParaRPr lang="en-US"/>
           </a:p>
@@ -13976,7 +13987,7 @@
           <a:p>
             <a:fld id="{D71F6AB6-6FBF-4B63-A5C3-90DEBBF6936C}" type="datetimeFigureOut">
               <a:rPr lang="en-US" smtClean="0"/>
-              <a:t>1/2/2023</a:t>
+              <a:t>1/3/2023</a:t>
             </a:fld>
             <a:endParaRPr lang="en-US"/>
           </a:p>
@@ -14117,7 +14128,7 @@
           <a:p>
             <a:fld id="{D71F6AB6-6FBF-4B63-A5C3-90DEBBF6936C}" type="datetimeFigureOut">
               <a:rPr lang="en-US" smtClean="0"/>
-              <a:t>1/2/2023</a:t>
+              <a:t>1/3/2023</a:t>
             </a:fld>
             <a:endParaRPr lang="en-US"/>
           </a:p>
@@ -14230,7 +14241,7 @@
           <a:p>
             <a:fld id="{D71F6AB6-6FBF-4B63-A5C3-90DEBBF6936C}" type="datetimeFigureOut">
               <a:rPr lang="en-US" smtClean="0"/>
-              <a:t>1/2/2023</a:t>
+              <a:t>1/3/2023</a:t>
             </a:fld>
             <a:endParaRPr lang="en-US"/>
           </a:p>
@@ -14541,7 +14552,7 @@
           <a:p>
             <a:fld id="{D71F6AB6-6FBF-4B63-A5C3-90DEBBF6936C}" type="datetimeFigureOut">
               <a:rPr lang="en-US" smtClean="0"/>
-              <a:t>1/2/2023</a:t>
+              <a:t>1/3/2023</a:t>
             </a:fld>
             <a:endParaRPr lang="en-US"/>
           </a:p>
@@ -14829,7 +14840,7 @@
           <a:p>
             <a:fld id="{D71F6AB6-6FBF-4B63-A5C3-90DEBBF6936C}" type="datetimeFigureOut">
               <a:rPr lang="en-US" smtClean="0"/>
-              <a:t>1/2/2023</a:t>
+              <a:t>1/3/2023</a:t>
             </a:fld>
             <a:endParaRPr lang="en-US"/>
           </a:p>
@@ -15070,7 +15081,7 @@
           <a:p>
             <a:fld id="{D71F6AB6-6FBF-4B63-A5C3-90DEBBF6936C}" type="datetimeFigureOut">
               <a:rPr lang="en-US" smtClean="0"/>
-              <a:t>1/2/2023</a:t>
+              <a:t>1/3/2023</a:t>
             </a:fld>
             <a:endParaRPr lang="en-US"/>
           </a:p>
@@ -16483,6 +16494,1223 @@
 </p:sld>
 </file>
 
+<file path=ppt/slides/slide10.xml><?xml version="1.0" encoding="utf-8"?>
+<p:sld xmlns:a="http://schemas.openxmlformats.org/drawingml/2006/main" xmlns:r="http://schemas.openxmlformats.org/officeDocument/2006/relationships" xmlns:p="http://schemas.openxmlformats.org/presentationml/2006/main">
+  <p:cSld>
+    <p:spTree>
+      <p:nvGrpSpPr>
+        <p:cNvPr id="1" name=""/>
+        <p:cNvGrpSpPr/>
+        <p:nvPr/>
+      </p:nvGrpSpPr>
+      <p:grpSpPr>
+        <a:xfrm>
+          <a:off x="0" y="0"/>
+          <a:ext cx="0" cy="0"/>
+          <a:chOff x="0" y="0"/>
+          <a:chExt cx="0" cy="0"/>
+        </a:xfrm>
+      </p:grpSpPr>
+      <p:sp>
+        <p:nvSpPr>
+          <p:cNvPr id="4" name="Title 3">
+            <a:extLst>
+              <a:ext uri="{FF2B5EF4-FFF2-40B4-BE49-F238E27FC236}">
+                <a16:creationId xmlns:a16="http://schemas.microsoft.com/office/drawing/2014/main" id="{549F8CD4-44AB-A1F8-E3AC-5F6E82E2661F}"/>
+              </a:ext>
+            </a:extLst>
+          </p:cNvPr>
+          <p:cNvSpPr>
+            <a:spLocks noGrp="1"/>
+          </p:cNvSpPr>
+          <p:nvPr>
+            <p:ph type="title"/>
+          </p:nvPr>
+        </p:nvSpPr>
+        <p:spPr/>
+        <p:txBody>
+          <a:bodyPr/>
+          <a:lstStyle/>
+          <a:p>
+            <a:r>
+              <a:rPr lang="en-US" dirty="0"/>
+              <a:t>What users may want to learn</a:t>
+            </a:r>
+          </a:p>
+        </p:txBody>
+      </p:sp>
+      <p:sp>
+        <p:nvSpPr>
+          <p:cNvPr id="5" name="Content Placeholder 4">
+            <a:extLst>
+              <a:ext uri="{FF2B5EF4-FFF2-40B4-BE49-F238E27FC236}">
+                <a16:creationId xmlns:a16="http://schemas.microsoft.com/office/drawing/2014/main" id="{860D792F-42A5-653A-B720-0C1A7B54E304}"/>
+              </a:ext>
+            </a:extLst>
+          </p:cNvPr>
+          <p:cNvSpPr>
+            <a:spLocks noGrp="1"/>
+          </p:cNvSpPr>
+          <p:nvPr>
+            <p:ph idx="1"/>
+          </p:nvPr>
+        </p:nvSpPr>
+        <p:spPr/>
+        <p:txBody>
+          <a:bodyPr>
+            <a:normAutofit/>
+          </a:bodyPr>
+          <a:lstStyle/>
+          <a:p>
+            <a:r>
+              <a:rPr lang="en-US" dirty="0"/>
+              <a:t>How can I tune formulas to be solved by Z3?</a:t>
+            </a:r>
+          </a:p>
+          <a:p>
+            <a:endParaRPr lang="en-US" b="0" i="0" dirty="0">
+              <a:solidFill>
+                <a:srgbClr val="000000"/>
+              </a:solidFill>
+              <a:effectLst/>
+              <a:latin typeface="Cambria" panose="02040503050406030204" pitchFamily="18" charset="0"/>
+            </a:endParaRPr>
+          </a:p>
+          <a:p>
+            <a:r>
+              <a:rPr lang="en-US" b="0" i="0" dirty="0">
+                <a:solidFill>
+                  <a:srgbClr val="000000"/>
+                </a:solidFill>
+                <a:effectLst/>
+                <a:latin typeface="Cambria" panose="02040503050406030204" pitchFamily="18" charset="0"/>
+              </a:rPr>
+              <a:t>How can I have Z3 provide feedback on solving?</a:t>
+            </a:r>
+          </a:p>
+          <a:p>
+            <a:endParaRPr lang="en-US" b="0" i="0" dirty="0">
+              <a:solidFill>
+                <a:srgbClr val="000000"/>
+              </a:solidFill>
+              <a:effectLst/>
+              <a:latin typeface="Cambria" panose="02040503050406030204" pitchFamily="18" charset="0"/>
+            </a:endParaRPr>
+          </a:p>
+          <a:p>
+            <a:r>
+              <a:rPr lang="en-US" dirty="0">
+                <a:solidFill>
+                  <a:srgbClr val="000000"/>
+                </a:solidFill>
+                <a:latin typeface="Cambria" panose="02040503050406030204" pitchFamily="18" charset="0"/>
+              </a:rPr>
+              <a:t>What features of Z3 should I use for solving formulas?</a:t>
+            </a:r>
+            <a:endParaRPr lang="en-US" b="0" i="0" dirty="0">
+              <a:solidFill>
+                <a:srgbClr val="000000"/>
+              </a:solidFill>
+              <a:effectLst/>
+              <a:latin typeface="Cambria" panose="02040503050406030204" pitchFamily="18" charset="0"/>
+            </a:endParaRPr>
+          </a:p>
+          <a:p>
+            <a:pPr lvl="1"/>
+            <a:r>
+              <a:rPr lang="en-US" b="0" i="0" dirty="0">
+                <a:solidFill>
+                  <a:srgbClr val="000000"/>
+                </a:solidFill>
+                <a:effectLst/>
+                <a:latin typeface="Cambria" panose="02040503050406030204" pitchFamily="18" charset="0"/>
+              </a:rPr>
+              <a:t>how can I determine which strategies apply to my formulas?</a:t>
+            </a:r>
+          </a:p>
+          <a:p>
+            <a:pPr algn="l">
+              <a:buFont typeface="Arial" panose="020B0604020202020204" pitchFamily="34" charset="0"/>
+              <a:buChar char="•"/>
+            </a:pPr>
+            <a:endParaRPr lang="en-US" b="0" i="0" dirty="0">
+              <a:solidFill>
+                <a:srgbClr val="000000"/>
+              </a:solidFill>
+              <a:effectLst/>
+              <a:latin typeface="Cambria" panose="02040503050406030204" pitchFamily="18" charset="0"/>
+            </a:endParaRPr>
+          </a:p>
+          <a:p>
+            <a:r>
+              <a:rPr lang="en-US" dirty="0">
+                <a:solidFill>
+                  <a:srgbClr val="000000"/>
+                </a:solidFill>
+                <a:latin typeface="Cambria" panose="02040503050406030204" pitchFamily="18" charset="0"/>
+              </a:rPr>
+              <a:t>C</a:t>
+            </a:r>
+            <a:r>
+              <a:rPr lang="en-US" b="0" i="0" dirty="0">
+                <a:solidFill>
+                  <a:srgbClr val="000000"/>
+                </a:solidFill>
+                <a:effectLst/>
+                <a:latin typeface="Cambria" panose="02040503050406030204" pitchFamily="18" charset="0"/>
+              </a:rPr>
+              <a:t>an I control the output of Z3</a:t>
+            </a:r>
+          </a:p>
+          <a:p>
+            <a:pPr lvl="1"/>
+            <a:r>
+              <a:rPr lang="en-US" b="0" i="0" dirty="0">
+                <a:solidFill>
+                  <a:srgbClr val="000000"/>
+                </a:solidFill>
+                <a:effectLst/>
+                <a:latin typeface="Cambria" panose="02040503050406030204" pitchFamily="18" charset="0"/>
+              </a:rPr>
+              <a:t>models (to be diverse, random)?</a:t>
+            </a:r>
+          </a:p>
+          <a:p>
+            <a:pPr algn="l">
+              <a:buFont typeface="Arial" panose="020B0604020202020204" pitchFamily="34" charset="0"/>
+              <a:buChar char="•"/>
+            </a:pPr>
+            <a:endParaRPr lang="en-US" b="0" i="0" dirty="0">
+              <a:solidFill>
+                <a:srgbClr val="000000"/>
+              </a:solidFill>
+              <a:effectLst/>
+              <a:latin typeface="Cambria" panose="02040503050406030204" pitchFamily="18" charset="0"/>
+            </a:endParaRPr>
+          </a:p>
+          <a:p>
+            <a:pPr marL="0" indent="0">
+              <a:buNone/>
+            </a:pPr>
+            <a:endParaRPr lang="en-US" dirty="0"/>
+          </a:p>
+        </p:txBody>
+      </p:sp>
+    </p:spTree>
+    <p:extLst>
+      <p:ext uri="{BB962C8B-B14F-4D97-AF65-F5344CB8AC3E}">
+        <p14:creationId xmlns:p14="http://schemas.microsoft.com/office/powerpoint/2010/main" val="3289016068"/>
+      </p:ext>
+    </p:extLst>
+  </p:cSld>
+  <p:clrMapOvr>
+    <a:masterClrMapping/>
+  </p:clrMapOvr>
+</p:sld>
+</file>
+
+<file path=ppt/slides/slide11.xml><?xml version="1.0" encoding="utf-8"?>
+<p:sld xmlns:a="http://schemas.openxmlformats.org/drawingml/2006/main" xmlns:r="http://schemas.openxmlformats.org/officeDocument/2006/relationships" xmlns:p="http://schemas.openxmlformats.org/presentationml/2006/main">
+  <p:cSld>
+    <p:spTree>
+      <p:nvGrpSpPr>
+        <p:cNvPr id="1" name=""/>
+        <p:cNvGrpSpPr/>
+        <p:nvPr/>
+      </p:nvGrpSpPr>
+      <p:grpSpPr>
+        <a:xfrm>
+          <a:off x="0" y="0"/>
+          <a:ext cx="0" cy="0"/>
+          <a:chOff x="0" y="0"/>
+          <a:chExt cx="0" cy="0"/>
+        </a:xfrm>
+      </p:grpSpPr>
+      <p:sp>
+        <p:nvSpPr>
+          <p:cNvPr id="4" name="Title 3">
+            <a:extLst>
+              <a:ext uri="{FF2B5EF4-FFF2-40B4-BE49-F238E27FC236}">
+                <a16:creationId xmlns:a16="http://schemas.microsoft.com/office/drawing/2014/main" id="{549F8CD4-44AB-A1F8-E3AC-5F6E82E2661F}"/>
+              </a:ext>
+            </a:extLst>
+          </p:cNvPr>
+          <p:cNvSpPr>
+            <a:spLocks noGrp="1"/>
+          </p:cNvSpPr>
+          <p:nvPr>
+            <p:ph type="title"/>
+          </p:nvPr>
+        </p:nvSpPr>
+        <p:spPr/>
+        <p:txBody>
+          <a:bodyPr/>
+          <a:lstStyle/>
+          <a:p>
+            <a:r>
+              <a:rPr lang="en-US" dirty="0"/>
+              <a:t>What a developer likes to talk about</a:t>
+            </a:r>
+          </a:p>
+        </p:txBody>
+      </p:sp>
+      <p:sp>
+        <p:nvSpPr>
+          <p:cNvPr id="5" name="Content Placeholder 4">
+            <a:extLst>
+              <a:ext uri="{FF2B5EF4-FFF2-40B4-BE49-F238E27FC236}">
+                <a16:creationId xmlns:a16="http://schemas.microsoft.com/office/drawing/2014/main" id="{860D792F-42A5-653A-B720-0C1A7B54E304}"/>
+              </a:ext>
+            </a:extLst>
+          </p:cNvPr>
+          <p:cNvSpPr>
+            <a:spLocks noGrp="1"/>
+          </p:cNvSpPr>
+          <p:nvPr>
+            <p:ph idx="1"/>
+          </p:nvPr>
+        </p:nvSpPr>
+        <p:spPr/>
+        <p:txBody>
+          <a:bodyPr/>
+          <a:lstStyle/>
+          <a:p>
+            <a:r>
+              <a:rPr lang="en-US" b="0" i="0" dirty="0">
+                <a:solidFill>
+                  <a:srgbClr val="000000"/>
+                </a:solidFill>
+                <a:effectLst/>
+                <a:latin typeface="Cambria" panose="02040503050406030204" pitchFamily="18" charset="0"/>
+              </a:rPr>
+              <a:t>What are the main </a:t>
+            </a:r>
+          </a:p>
+          <a:p>
+            <a:pPr lvl="1"/>
+            <a:r>
+              <a:rPr lang="en-US" dirty="0">
+                <a:solidFill>
+                  <a:srgbClr val="000000"/>
+                </a:solidFill>
+                <a:latin typeface="Cambria" panose="02040503050406030204" pitchFamily="18" charset="0"/>
+              </a:rPr>
+              <a:t>Solvers</a:t>
+            </a:r>
+          </a:p>
+          <a:p>
+            <a:pPr lvl="1"/>
+            <a:r>
+              <a:rPr lang="en-US" dirty="0">
+                <a:solidFill>
+                  <a:srgbClr val="000000"/>
+                </a:solidFill>
+                <a:latin typeface="Cambria" panose="02040503050406030204" pitchFamily="18" charset="0"/>
+              </a:rPr>
+              <a:t>Algorithms</a:t>
+            </a:r>
+          </a:p>
+          <a:p>
+            <a:pPr lvl="1"/>
+            <a:r>
+              <a:rPr lang="en-US" b="0" i="0" dirty="0">
+                <a:solidFill>
+                  <a:srgbClr val="000000"/>
+                </a:solidFill>
+                <a:effectLst/>
+                <a:latin typeface="Cambria" panose="02040503050406030204" pitchFamily="18" charset="0"/>
+              </a:rPr>
+              <a:t>Data-structures</a:t>
+            </a:r>
+          </a:p>
+          <a:p>
+            <a:pPr lvl="1"/>
+            <a:r>
+              <a:rPr lang="en-US" dirty="0">
+                <a:solidFill>
+                  <a:srgbClr val="000000"/>
+                </a:solidFill>
+                <a:latin typeface="Cambria" panose="02040503050406030204" pitchFamily="18" charset="0"/>
+              </a:rPr>
+              <a:t>Logic features</a:t>
+            </a:r>
+            <a:endParaRPr lang="en-US" b="0" i="0" dirty="0">
+              <a:solidFill>
+                <a:srgbClr val="000000"/>
+              </a:solidFill>
+              <a:effectLst/>
+              <a:latin typeface="Cambria" panose="02040503050406030204" pitchFamily="18" charset="0"/>
+            </a:endParaRPr>
+          </a:p>
+          <a:p>
+            <a:pPr lvl="1"/>
+            <a:r>
+              <a:rPr lang="en-US" dirty="0">
+                <a:solidFill>
+                  <a:srgbClr val="000000"/>
+                </a:solidFill>
+                <a:latin typeface="Cambria" panose="02040503050406030204" pitchFamily="18" charset="0"/>
+              </a:rPr>
+              <a:t>Proof systems</a:t>
+            </a:r>
+          </a:p>
+          <a:p>
+            <a:pPr lvl="1"/>
+            <a:r>
+              <a:rPr lang="en-US" b="0" i="0" dirty="0">
+                <a:solidFill>
+                  <a:srgbClr val="000000"/>
+                </a:solidFill>
+                <a:effectLst/>
+                <a:latin typeface="Cambria" panose="02040503050406030204" pitchFamily="18" charset="0"/>
+              </a:rPr>
+              <a:t>Heuristics</a:t>
+            </a:r>
+          </a:p>
+          <a:p>
+            <a:pPr lvl="1"/>
+            <a:endParaRPr lang="en-US" b="0" i="0" dirty="0">
+              <a:solidFill>
+                <a:srgbClr val="000000"/>
+              </a:solidFill>
+              <a:effectLst/>
+              <a:latin typeface="Cambria" panose="02040503050406030204" pitchFamily="18" charset="0"/>
+            </a:endParaRPr>
+          </a:p>
+          <a:p>
+            <a:r>
+              <a:rPr lang="en-US" dirty="0">
+                <a:solidFill>
+                  <a:srgbClr val="000000"/>
+                </a:solidFill>
+                <a:latin typeface="Cambria" panose="02040503050406030204" pitchFamily="18" charset="0"/>
+              </a:rPr>
+              <a:t>H</a:t>
+            </a:r>
+            <a:r>
+              <a:rPr lang="en-US" b="0" i="0" dirty="0">
+                <a:solidFill>
+                  <a:srgbClr val="000000"/>
+                </a:solidFill>
+                <a:effectLst/>
+                <a:latin typeface="Cambria" panose="02040503050406030204" pitchFamily="18" charset="0"/>
+              </a:rPr>
+              <a:t>ow do solvers interact (with the core)?</a:t>
+            </a:r>
+          </a:p>
+          <a:p>
+            <a:endParaRPr lang="en-US" dirty="0"/>
+          </a:p>
+        </p:txBody>
+      </p:sp>
+    </p:spTree>
+    <p:extLst>
+      <p:ext uri="{BB962C8B-B14F-4D97-AF65-F5344CB8AC3E}">
+        <p14:creationId xmlns:p14="http://schemas.microsoft.com/office/powerpoint/2010/main" val="3336860158"/>
+      </p:ext>
+    </p:extLst>
+  </p:cSld>
+  <p:clrMapOvr>
+    <a:masterClrMapping/>
+  </p:clrMapOvr>
+</p:sld>
+</file>
+
+<file path=ppt/slides/slide12.xml><?xml version="1.0" encoding="utf-8"?>
+<p:sld xmlns:a="http://schemas.openxmlformats.org/drawingml/2006/main" xmlns:r="http://schemas.openxmlformats.org/officeDocument/2006/relationships" xmlns:p="http://schemas.openxmlformats.org/presentationml/2006/main">
+  <p:cSld>
+    <p:spTree>
+      <p:nvGrpSpPr>
+        <p:cNvPr id="1" name=""/>
+        <p:cNvGrpSpPr/>
+        <p:nvPr/>
+      </p:nvGrpSpPr>
+      <p:grpSpPr>
+        <a:xfrm>
+          <a:off x="0" y="0"/>
+          <a:ext cx="0" cy="0"/>
+          <a:chOff x="0" y="0"/>
+          <a:chExt cx="0" cy="0"/>
+        </a:xfrm>
+      </p:grpSpPr>
+      <p:sp>
+        <p:nvSpPr>
+          <p:cNvPr id="2" name="Title 1">
+            <a:extLst>
+              <a:ext uri="{FF2B5EF4-FFF2-40B4-BE49-F238E27FC236}">
+                <a16:creationId xmlns:a16="http://schemas.microsoft.com/office/drawing/2014/main" id="{06F4510B-F1F4-4B7B-79AF-C59FAFA2F1D9}"/>
+              </a:ext>
+            </a:extLst>
+          </p:cNvPr>
+          <p:cNvSpPr>
+            <a:spLocks noGrp="1"/>
+          </p:cNvSpPr>
+          <p:nvPr>
+            <p:ph type="title"/>
+          </p:nvPr>
+        </p:nvSpPr>
+        <p:spPr/>
+        <p:txBody>
+          <a:bodyPr/>
+          <a:lstStyle/>
+          <a:p>
+            <a:r>
+              <a:rPr lang="en-US" dirty="0"/>
+              <a:t>Tutorial format </a:t>
+            </a:r>
+          </a:p>
+        </p:txBody>
+      </p:sp>
+      <p:sp>
+        <p:nvSpPr>
+          <p:cNvPr id="4" name="Arrow: Right 3">
+            <a:extLst>
+              <a:ext uri="{FF2B5EF4-FFF2-40B4-BE49-F238E27FC236}">
+                <a16:creationId xmlns:a16="http://schemas.microsoft.com/office/drawing/2014/main" id="{338918FD-C832-3B2F-CE73-975BE114ABB2}"/>
+              </a:ext>
+            </a:extLst>
+          </p:cNvPr>
+          <p:cNvSpPr/>
+          <p:nvPr/>
+        </p:nvSpPr>
+        <p:spPr>
+          <a:xfrm>
+            <a:off x="2214770" y="1834086"/>
+            <a:ext cx="3132814" cy="2846567"/>
+          </a:xfrm>
+          <a:prstGeom prst="rightArrow">
+            <a:avLst>
+              <a:gd name="adj1" fmla="val 67877"/>
+              <a:gd name="adj2" fmla="val 50000"/>
+            </a:avLst>
+          </a:prstGeom>
+        </p:spPr>
+        <p:style>
+          <a:lnRef idx="2">
+            <a:schemeClr val="accent1">
+              <a:shade val="50000"/>
+            </a:schemeClr>
+          </a:lnRef>
+          <a:fillRef idx="1">
+            <a:schemeClr val="accent1"/>
+          </a:fillRef>
+          <a:effectRef idx="0">
+            <a:schemeClr val="accent1"/>
+          </a:effectRef>
+          <a:fontRef idx="minor">
+            <a:schemeClr val="lt1"/>
+          </a:fontRef>
+        </p:style>
+        <p:txBody>
+          <a:bodyPr rtlCol="0" anchor="ctr"/>
+          <a:lstStyle/>
+          <a:p>
+            <a:pPr algn="ctr"/>
+            <a:r>
+              <a:rPr lang="en-US" sz="3200" dirty="0"/>
+              <a:t>Understand Core Concepts</a:t>
+            </a:r>
+          </a:p>
+        </p:txBody>
+      </p:sp>
+      <p:sp>
+        <p:nvSpPr>
+          <p:cNvPr id="5" name="Arrow: Right 4">
+            <a:extLst>
+              <a:ext uri="{FF2B5EF4-FFF2-40B4-BE49-F238E27FC236}">
+                <a16:creationId xmlns:a16="http://schemas.microsoft.com/office/drawing/2014/main" id="{FA6149E4-89D6-F9FC-AAF8-C7CC5B98E003}"/>
+              </a:ext>
+            </a:extLst>
+          </p:cNvPr>
+          <p:cNvSpPr/>
+          <p:nvPr/>
+        </p:nvSpPr>
+        <p:spPr>
+          <a:xfrm>
+            <a:off x="6716201" y="1834085"/>
+            <a:ext cx="3132814" cy="2846567"/>
+          </a:xfrm>
+          <a:prstGeom prst="rightArrow">
+            <a:avLst>
+              <a:gd name="adj1" fmla="val 67877"/>
+              <a:gd name="adj2" fmla="val 50000"/>
+            </a:avLst>
+          </a:prstGeom>
+        </p:spPr>
+        <p:style>
+          <a:lnRef idx="2">
+            <a:schemeClr val="accent1">
+              <a:shade val="50000"/>
+            </a:schemeClr>
+          </a:lnRef>
+          <a:fillRef idx="1">
+            <a:schemeClr val="accent1"/>
+          </a:fillRef>
+          <a:effectRef idx="0">
+            <a:schemeClr val="accent1"/>
+          </a:effectRef>
+          <a:fontRef idx="minor">
+            <a:schemeClr val="lt1"/>
+          </a:fontRef>
+        </p:style>
+        <p:txBody>
+          <a:bodyPr rtlCol="0" anchor="ctr"/>
+          <a:lstStyle/>
+          <a:p>
+            <a:pPr algn="ctr"/>
+            <a:r>
+              <a:rPr lang="en-US" sz="3200" dirty="0"/>
+              <a:t>Understand where to dig further</a:t>
+            </a:r>
+          </a:p>
+        </p:txBody>
+      </p:sp>
+      <p:sp>
+        <p:nvSpPr>
+          <p:cNvPr id="6" name="Arrow: Left 5">
+            <a:extLst>
+              <a:ext uri="{FF2B5EF4-FFF2-40B4-BE49-F238E27FC236}">
+                <a16:creationId xmlns:a16="http://schemas.microsoft.com/office/drawing/2014/main" id="{585A0B47-B729-9AC8-C692-DE5864FAD966}"/>
+              </a:ext>
+            </a:extLst>
+          </p:cNvPr>
+          <p:cNvSpPr/>
+          <p:nvPr/>
+        </p:nvSpPr>
+        <p:spPr>
+          <a:xfrm>
+            <a:off x="3880236" y="4899299"/>
+            <a:ext cx="3919993" cy="1626042"/>
+          </a:xfrm>
+          <a:prstGeom prst="leftArrow">
+            <a:avLst/>
+          </a:prstGeom>
+        </p:spPr>
+        <p:style>
+          <a:lnRef idx="2">
+            <a:schemeClr val="accent1">
+              <a:shade val="50000"/>
+            </a:schemeClr>
+          </a:lnRef>
+          <a:fillRef idx="1">
+            <a:schemeClr val="accent1"/>
+          </a:fillRef>
+          <a:effectRef idx="0">
+            <a:schemeClr val="accent1"/>
+          </a:effectRef>
+          <a:fontRef idx="minor">
+            <a:schemeClr val="lt1"/>
+          </a:fontRef>
+        </p:style>
+        <p:txBody>
+          <a:bodyPr rtlCol="0" anchor="ctr"/>
+          <a:lstStyle/>
+          <a:p>
+            <a:pPr algn="ctr"/>
+            <a:r>
+              <a:rPr lang="en-US" dirty="0"/>
+              <a:t>Use cases shaped by anecdotes</a:t>
+            </a:r>
+          </a:p>
+        </p:txBody>
+      </p:sp>
+    </p:spTree>
+    <p:extLst>
+      <p:ext uri="{BB962C8B-B14F-4D97-AF65-F5344CB8AC3E}">
+        <p14:creationId xmlns:p14="http://schemas.microsoft.com/office/powerpoint/2010/main" val="4221592288"/>
+      </p:ext>
+    </p:extLst>
+  </p:cSld>
+  <p:clrMapOvr>
+    <a:masterClrMapping/>
+  </p:clrMapOvr>
+</p:sld>
+</file>
+
+<file path=ppt/slides/slide13.xml><?xml version="1.0" encoding="utf-8"?>
+<p:sld xmlns:a="http://schemas.openxmlformats.org/drawingml/2006/main" xmlns:r="http://schemas.openxmlformats.org/officeDocument/2006/relationships" xmlns:p="http://schemas.openxmlformats.org/presentationml/2006/main">
+  <p:cSld>
+    <p:spTree>
+      <p:nvGrpSpPr>
+        <p:cNvPr id="1" name=""/>
+        <p:cNvGrpSpPr/>
+        <p:nvPr/>
+      </p:nvGrpSpPr>
+      <p:grpSpPr>
+        <a:xfrm>
+          <a:off x="0" y="0"/>
+          <a:ext cx="0" cy="0"/>
+          <a:chOff x="0" y="0"/>
+          <a:chExt cx="0" cy="0"/>
+        </a:xfrm>
+      </p:grpSpPr>
+      <p:sp>
+        <p:nvSpPr>
+          <p:cNvPr id="4" name="Title 3">
+            <a:extLst>
+              <a:ext uri="{FF2B5EF4-FFF2-40B4-BE49-F238E27FC236}">
+                <a16:creationId xmlns:a16="http://schemas.microsoft.com/office/drawing/2014/main" id="{DD9EA659-417D-0D83-AAE7-E24CD9E7A465}"/>
+              </a:ext>
+            </a:extLst>
+          </p:cNvPr>
+          <p:cNvSpPr>
+            <a:spLocks noGrp="1"/>
+          </p:cNvSpPr>
+          <p:nvPr>
+            <p:ph type="ctrTitle"/>
+          </p:nvPr>
+        </p:nvSpPr>
+        <p:spPr/>
+        <p:txBody>
+          <a:bodyPr/>
+          <a:lstStyle/>
+          <a:p>
+            <a:r>
+              <a:rPr lang="en-US" dirty="0"/>
+              <a:t>Interfacing with Z3</a:t>
+            </a:r>
+          </a:p>
+        </p:txBody>
+      </p:sp>
+      <p:sp>
+        <p:nvSpPr>
+          <p:cNvPr id="5" name="Subtitle 4">
+            <a:extLst>
+              <a:ext uri="{FF2B5EF4-FFF2-40B4-BE49-F238E27FC236}">
+                <a16:creationId xmlns:a16="http://schemas.microsoft.com/office/drawing/2014/main" id="{AA56B3B6-FA2D-8541-F7D4-AADAAE508144}"/>
+              </a:ext>
+            </a:extLst>
+          </p:cNvPr>
+          <p:cNvSpPr>
+            <a:spLocks noGrp="1"/>
+          </p:cNvSpPr>
+          <p:nvPr>
+            <p:ph type="subTitle" idx="1"/>
+          </p:nvPr>
+        </p:nvSpPr>
+        <p:spPr/>
+        <p:txBody>
+          <a:bodyPr/>
+          <a:lstStyle/>
+          <a:p>
+            <a:r>
+              <a:rPr lang="en-US" dirty="0"/>
+              <a:t>A Quiz and some Answers</a:t>
+            </a:r>
+          </a:p>
+        </p:txBody>
+      </p:sp>
+    </p:spTree>
+    <p:extLst>
+      <p:ext uri="{BB962C8B-B14F-4D97-AF65-F5344CB8AC3E}">
+        <p14:creationId xmlns:p14="http://schemas.microsoft.com/office/powerpoint/2010/main" val="19077066"/>
+      </p:ext>
+    </p:extLst>
+  </p:cSld>
+  <p:clrMapOvr>
+    <a:masterClrMapping/>
+  </p:clrMapOvr>
+</p:sld>
+</file>
+
+<file path=ppt/slides/slide14.xml><?xml version="1.0" encoding="utf-8"?>
+<p:sld xmlns:a="http://schemas.openxmlformats.org/drawingml/2006/main" xmlns:r="http://schemas.openxmlformats.org/officeDocument/2006/relationships" xmlns:p="http://schemas.openxmlformats.org/presentationml/2006/main">
+  <p:cSld>
+    <p:spTree>
+      <p:nvGrpSpPr>
+        <p:cNvPr id="1" name=""/>
+        <p:cNvGrpSpPr/>
+        <p:nvPr/>
+      </p:nvGrpSpPr>
+      <p:grpSpPr>
+        <a:xfrm>
+          <a:off x="0" y="0"/>
+          <a:ext cx="0" cy="0"/>
+          <a:chOff x="0" y="0"/>
+          <a:chExt cx="0" cy="0"/>
+        </a:xfrm>
+      </p:grpSpPr>
+      <p:sp>
+        <p:nvSpPr>
+          <p:cNvPr id="2" name="Title 1">
+            <a:extLst>
+              <a:ext uri="{FF2B5EF4-FFF2-40B4-BE49-F238E27FC236}">
+                <a16:creationId xmlns:a16="http://schemas.microsoft.com/office/drawing/2014/main" id="{616AC9F1-1AC2-FEBA-4860-469C55254D3E}"/>
+              </a:ext>
+            </a:extLst>
+          </p:cNvPr>
+          <p:cNvSpPr>
+            <a:spLocks noGrp="1"/>
+          </p:cNvSpPr>
+          <p:nvPr>
+            <p:ph type="ctrTitle"/>
+          </p:nvPr>
+        </p:nvSpPr>
+        <p:spPr/>
+        <p:txBody>
+          <a:bodyPr/>
+          <a:lstStyle/>
+          <a:p>
+            <a:r>
+              <a:rPr lang="en-US" dirty="0"/>
+              <a:t>Tactics</a:t>
+            </a:r>
+          </a:p>
+        </p:txBody>
+      </p:sp>
+      <p:sp>
+        <p:nvSpPr>
+          <p:cNvPr id="3" name="Subtitle 2">
+            <a:extLst>
+              <a:ext uri="{FF2B5EF4-FFF2-40B4-BE49-F238E27FC236}">
+                <a16:creationId xmlns:a16="http://schemas.microsoft.com/office/drawing/2014/main" id="{E906C6DA-740A-1E63-C8E5-E23B20305CB7}"/>
+              </a:ext>
+            </a:extLst>
+          </p:cNvPr>
+          <p:cNvSpPr>
+            <a:spLocks noGrp="1"/>
+          </p:cNvSpPr>
+          <p:nvPr>
+            <p:ph type="subTitle" idx="1"/>
+          </p:nvPr>
+        </p:nvSpPr>
+        <p:spPr/>
+        <p:txBody>
+          <a:bodyPr/>
+          <a:lstStyle/>
+          <a:p>
+            <a:endParaRPr lang="en-US"/>
+          </a:p>
+        </p:txBody>
+      </p:sp>
+    </p:spTree>
+    <p:extLst>
+      <p:ext uri="{BB962C8B-B14F-4D97-AF65-F5344CB8AC3E}">
+        <p14:creationId xmlns:p14="http://schemas.microsoft.com/office/powerpoint/2010/main" val="3759470962"/>
+      </p:ext>
+    </p:extLst>
+  </p:cSld>
+  <p:clrMapOvr>
+    <a:masterClrMapping/>
+  </p:clrMapOvr>
+</p:sld>
+</file>
+
+<file path=ppt/slides/slide15.xml><?xml version="1.0" encoding="utf-8"?>
+<p:sld xmlns:a="http://schemas.openxmlformats.org/drawingml/2006/main" xmlns:r="http://schemas.openxmlformats.org/officeDocument/2006/relationships" xmlns:p="http://schemas.openxmlformats.org/presentationml/2006/main">
+  <p:cSld>
+    <p:spTree>
+      <p:nvGrpSpPr>
+        <p:cNvPr id="1" name=""/>
+        <p:cNvGrpSpPr/>
+        <p:nvPr/>
+      </p:nvGrpSpPr>
+      <p:grpSpPr>
+        <a:xfrm>
+          <a:off x="0" y="0"/>
+          <a:ext cx="0" cy="0"/>
+          <a:chOff x="0" y="0"/>
+          <a:chExt cx="0" cy="0"/>
+        </a:xfrm>
+      </p:grpSpPr>
+      <p:sp>
+        <p:nvSpPr>
+          <p:cNvPr id="2" name="Title 1">
+            <a:extLst>
+              <a:ext uri="{FF2B5EF4-FFF2-40B4-BE49-F238E27FC236}">
+                <a16:creationId xmlns:a16="http://schemas.microsoft.com/office/drawing/2014/main" id="{616AC9F1-1AC2-FEBA-4860-469C55254D3E}"/>
+              </a:ext>
+            </a:extLst>
+          </p:cNvPr>
+          <p:cNvSpPr>
+            <a:spLocks noGrp="1"/>
+          </p:cNvSpPr>
+          <p:nvPr>
+            <p:ph type="ctrTitle"/>
+          </p:nvPr>
+        </p:nvSpPr>
+        <p:spPr/>
+        <p:txBody>
+          <a:bodyPr/>
+          <a:lstStyle/>
+          <a:p>
+            <a:r>
+              <a:rPr lang="en-US" dirty="0"/>
+              <a:t>Solver Engines</a:t>
+            </a:r>
+          </a:p>
+        </p:txBody>
+      </p:sp>
+      <p:sp>
+        <p:nvSpPr>
+          <p:cNvPr id="3" name="Subtitle 2">
+            <a:extLst>
+              <a:ext uri="{FF2B5EF4-FFF2-40B4-BE49-F238E27FC236}">
+                <a16:creationId xmlns:a16="http://schemas.microsoft.com/office/drawing/2014/main" id="{E906C6DA-740A-1E63-C8E5-E23B20305CB7}"/>
+              </a:ext>
+            </a:extLst>
+          </p:cNvPr>
+          <p:cNvSpPr>
+            <a:spLocks noGrp="1"/>
+          </p:cNvSpPr>
+          <p:nvPr>
+            <p:ph type="subTitle" idx="1"/>
+          </p:nvPr>
+        </p:nvSpPr>
+        <p:spPr/>
+        <p:txBody>
+          <a:bodyPr/>
+          <a:lstStyle/>
+          <a:p>
+            <a:endParaRPr lang="en-US"/>
+          </a:p>
+        </p:txBody>
+      </p:sp>
+    </p:spTree>
+    <p:extLst>
+      <p:ext uri="{BB962C8B-B14F-4D97-AF65-F5344CB8AC3E}">
+        <p14:creationId xmlns:p14="http://schemas.microsoft.com/office/powerpoint/2010/main" val="1147264954"/>
+      </p:ext>
+    </p:extLst>
+  </p:cSld>
+  <p:clrMapOvr>
+    <a:masterClrMapping/>
+  </p:clrMapOvr>
+</p:sld>
+</file>
+
+<file path=ppt/slides/slide16.xml><?xml version="1.0" encoding="utf-8"?>
+<p:sld xmlns:a="http://schemas.openxmlformats.org/drawingml/2006/main" xmlns:r="http://schemas.openxmlformats.org/officeDocument/2006/relationships" xmlns:p="http://schemas.openxmlformats.org/presentationml/2006/main">
+  <p:cSld>
+    <p:spTree>
+      <p:nvGrpSpPr>
+        <p:cNvPr id="1" name=""/>
+        <p:cNvGrpSpPr/>
+        <p:nvPr/>
+      </p:nvGrpSpPr>
+      <p:grpSpPr>
+        <a:xfrm>
+          <a:off x="0" y="0"/>
+          <a:ext cx="0" cy="0"/>
+          <a:chOff x="0" y="0"/>
+          <a:chExt cx="0" cy="0"/>
+        </a:xfrm>
+      </p:grpSpPr>
+      <p:sp>
+        <p:nvSpPr>
+          <p:cNvPr id="2" name="Title 1">
+            <a:extLst>
+              <a:ext uri="{FF2B5EF4-FFF2-40B4-BE49-F238E27FC236}">
+                <a16:creationId xmlns:a16="http://schemas.microsoft.com/office/drawing/2014/main" id="{616AC9F1-1AC2-FEBA-4860-469C55254D3E}"/>
+              </a:ext>
+            </a:extLst>
+          </p:cNvPr>
+          <p:cNvSpPr>
+            <a:spLocks noGrp="1"/>
+          </p:cNvSpPr>
+          <p:nvPr>
+            <p:ph type="ctrTitle"/>
+          </p:nvPr>
+        </p:nvSpPr>
+        <p:spPr/>
+        <p:txBody>
+          <a:bodyPr/>
+          <a:lstStyle/>
+          <a:p>
+            <a:r>
+              <a:rPr lang="en-US" dirty="0"/>
+              <a:t>Core Decision Procedures</a:t>
+            </a:r>
+          </a:p>
+        </p:txBody>
+      </p:sp>
+      <p:sp>
+        <p:nvSpPr>
+          <p:cNvPr id="3" name="Subtitle 2">
+            <a:extLst>
+              <a:ext uri="{FF2B5EF4-FFF2-40B4-BE49-F238E27FC236}">
+                <a16:creationId xmlns:a16="http://schemas.microsoft.com/office/drawing/2014/main" id="{E906C6DA-740A-1E63-C8E5-E23B20305CB7}"/>
+              </a:ext>
+            </a:extLst>
+          </p:cNvPr>
+          <p:cNvSpPr>
+            <a:spLocks noGrp="1"/>
+          </p:cNvSpPr>
+          <p:nvPr>
+            <p:ph type="subTitle" idx="1"/>
+          </p:nvPr>
+        </p:nvSpPr>
+        <p:spPr/>
+        <p:txBody>
+          <a:bodyPr/>
+          <a:lstStyle/>
+          <a:p>
+            <a:endParaRPr lang="en-US"/>
+          </a:p>
+        </p:txBody>
+      </p:sp>
+    </p:spTree>
+    <p:extLst>
+      <p:ext uri="{BB962C8B-B14F-4D97-AF65-F5344CB8AC3E}">
+        <p14:creationId xmlns:p14="http://schemas.microsoft.com/office/powerpoint/2010/main" val="4091303721"/>
+      </p:ext>
+    </p:extLst>
+  </p:cSld>
+  <p:clrMapOvr>
+    <a:masterClrMapping/>
+  </p:clrMapOvr>
+</p:sld>
+</file>
+
+<file path=ppt/slides/slide17.xml><?xml version="1.0" encoding="utf-8"?>
+<p:sld xmlns:a="http://schemas.openxmlformats.org/drawingml/2006/main" xmlns:r="http://schemas.openxmlformats.org/officeDocument/2006/relationships" xmlns:p="http://schemas.openxmlformats.org/presentationml/2006/main">
+  <p:cSld>
+    <p:spTree>
+      <p:nvGrpSpPr>
+        <p:cNvPr id="1" name=""/>
+        <p:cNvGrpSpPr/>
+        <p:nvPr/>
+      </p:nvGrpSpPr>
+      <p:grpSpPr>
+        <a:xfrm>
+          <a:off x="0" y="0"/>
+          <a:ext cx="0" cy="0"/>
+          <a:chOff x="0" y="0"/>
+          <a:chExt cx="0" cy="0"/>
+        </a:xfrm>
+      </p:grpSpPr>
+      <p:sp>
+        <p:nvSpPr>
+          <p:cNvPr id="2" name="Title 1">
+            <a:extLst>
+              <a:ext uri="{FF2B5EF4-FFF2-40B4-BE49-F238E27FC236}">
+                <a16:creationId xmlns:a16="http://schemas.microsoft.com/office/drawing/2014/main" id="{616AC9F1-1AC2-FEBA-4860-469C55254D3E}"/>
+              </a:ext>
+            </a:extLst>
+          </p:cNvPr>
+          <p:cNvSpPr>
+            <a:spLocks noGrp="1"/>
+          </p:cNvSpPr>
+          <p:nvPr>
+            <p:ph type="ctrTitle"/>
+          </p:nvPr>
+        </p:nvSpPr>
+        <p:spPr/>
+        <p:txBody>
+          <a:bodyPr/>
+          <a:lstStyle/>
+          <a:p>
+            <a:r>
+              <a:rPr lang="en-US" dirty="0"/>
+              <a:t>Data-structure Internals</a:t>
+            </a:r>
+          </a:p>
+        </p:txBody>
+      </p:sp>
+      <p:sp>
+        <p:nvSpPr>
+          <p:cNvPr id="3" name="Subtitle 2">
+            <a:extLst>
+              <a:ext uri="{FF2B5EF4-FFF2-40B4-BE49-F238E27FC236}">
+                <a16:creationId xmlns:a16="http://schemas.microsoft.com/office/drawing/2014/main" id="{E906C6DA-740A-1E63-C8E5-E23B20305CB7}"/>
+              </a:ext>
+            </a:extLst>
+          </p:cNvPr>
+          <p:cNvSpPr>
+            <a:spLocks noGrp="1"/>
+          </p:cNvSpPr>
+          <p:nvPr>
+            <p:ph type="subTitle" idx="1"/>
+          </p:nvPr>
+        </p:nvSpPr>
+        <p:spPr/>
+        <p:txBody>
+          <a:bodyPr/>
+          <a:lstStyle/>
+          <a:p>
+            <a:endParaRPr lang="en-US"/>
+          </a:p>
+        </p:txBody>
+      </p:sp>
+    </p:spTree>
+    <p:extLst>
+      <p:ext uri="{BB962C8B-B14F-4D97-AF65-F5344CB8AC3E}">
+        <p14:creationId xmlns:p14="http://schemas.microsoft.com/office/powerpoint/2010/main" val="622164358"/>
+      </p:ext>
+    </p:extLst>
+  </p:cSld>
+  <p:clrMapOvr>
+    <a:masterClrMapping/>
+  </p:clrMapOvr>
+</p:sld>
+</file>
+
+<file path=ppt/slides/slide18.xml><?xml version="1.0" encoding="utf-8"?>
+<p:sld xmlns:a="http://schemas.openxmlformats.org/drawingml/2006/main" xmlns:r="http://schemas.openxmlformats.org/officeDocument/2006/relationships" xmlns:p="http://schemas.openxmlformats.org/presentationml/2006/main">
+  <p:cSld>
+    <p:spTree>
+      <p:nvGrpSpPr>
+        <p:cNvPr id="1" name=""/>
+        <p:cNvGrpSpPr/>
+        <p:nvPr/>
+      </p:nvGrpSpPr>
+      <p:grpSpPr>
+        <a:xfrm>
+          <a:off x="0" y="0"/>
+          <a:ext cx="0" cy="0"/>
+          <a:chOff x="0" y="0"/>
+          <a:chExt cx="0" cy="0"/>
+        </a:xfrm>
+      </p:grpSpPr>
+      <p:sp>
+        <p:nvSpPr>
+          <p:cNvPr id="2" name="Title 1">
+            <a:extLst>
+              <a:ext uri="{FF2B5EF4-FFF2-40B4-BE49-F238E27FC236}">
+                <a16:creationId xmlns:a16="http://schemas.microsoft.com/office/drawing/2014/main" id="{616AC9F1-1AC2-FEBA-4860-469C55254D3E}"/>
+              </a:ext>
+            </a:extLst>
+          </p:cNvPr>
+          <p:cNvSpPr>
+            <a:spLocks noGrp="1"/>
+          </p:cNvSpPr>
+          <p:nvPr>
+            <p:ph type="ctrTitle"/>
+          </p:nvPr>
+        </p:nvSpPr>
+        <p:spPr/>
+        <p:txBody>
+          <a:bodyPr/>
+          <a:lstStyle/>
+          <a:p>
+            <a:r>
+              <a:rPr lang="en-US" dirty="0"/>
+              <a:t>Models</a:t>
+            </a:r>
+          </a:p>
+        </p:txBody>
+      </p:sp>
+      <p:sp>
+        <p:nvSpPr>
+          <p:cNvPr id="3" name="Subtitle 2">
+            <a:extLst>
+              <a:ext uri="{FF2B5EF4-FFF2-40B4-BE49-F238E27FC236}">
+                <a16:creationId xmlns:a16="http://schemas.microsoft.com/office/drawing/2014/main" id="{E906C6DA-740A-1E63-C8E5-E23B20305CB7}"/>
+              </a:ext>
+            </a:extLst>
+          </p:cNvPr>
+          <p:cNvSpPr>
+            <a:spLocks noGrp="1"/>
+          </p:cNvSpPr>
+          <p:nvPr>
+            <p:ph type="subTitle" idx="1"/>
+          </p:nvPr>
+        </p:nvSpPr>
+        <p:spPr/>
+        <p:txBody>
+          <a:bodyPr/>
+          <a:lstStyle/>
+          <a:p>
+            <a:endParaRPr lang="en-US"/>
+          </a:p>
+        </p:txBody>
+      </p:sp>
+    </p:spTree>
+    <p:extLst>
+      <p:ext uri="{BB962C8B-B14F-4D97-AF65-F5344CB8AC3E}">
+        <p14:creationId xmlns:p14="http://schemas.microsoft.com/office/powerpoint/2010/main" val="321277498"/>
+      </p:ext>
+    </p:extLst>
+  </p:cSld>
+  <p:clrMapOvr>
+    <a:masterClrMapping/>
+  </p:clrMapOvr>
+</p:sld>
+</file>
+
+<file path=ppt/slides/slide19.xml><?xml version="1.0" encoding="utf-8"?>
+<p:sld xmlns:a="http://schemas.openxmlformats.org/drawingml/2006/main" xmlns:r="http://schemas.openxmlformats.org/officeDocument/2006/relationships" xmlns:p="http://schemas.openxmlformats.org/presentationml/2006/main">
+  <p:cSld>
+    <p:spTree>
+      <p:nvGrpSpPr>
+        <p:cNvPr id="1" name=""/>
+        <p:cNvGrpSpPr/>
+        <p:nvPr/>
+      </p:nvGrpSpPr>
+      <p:grpSpPr>
+        <a:xfrm>
+          <a:off x="0" y="0"/>
+          <a:ext cx="0" cy="0"/>
+          <a:chOff x="0" y="0"/>
+          <a:chExt cx="0" cy="0"/>
+        </a:xfrm>
+      </p:grpSpPr>
+      <p:sp>
+        <p:nvSpPr>
+          <p:cNvPr id="2" name="Title 1">
+            <a:extLst>
+              <a:ext uri="{FF2B5EF4-FFF2-40B4-BE49-F238E27FC236}">
+                <a16:creationId xmlns:a16="http://schemas.microsoft.com/office/drawing/2014/main" id="{616AC9F1-1AC2-FEBA-4860-469C55254D3E}"/>
+              </a:ext>
+            </a:extLst>
+          </p:cNvPr>
+          <p:cNvSpPr>
+            <a:spLocks noGrp="1"/>
+          </p:cNvSpPr>
+          <p:nvPr>
+            <p:ph type="ctrTitle"/>
+          </p:nvPr>
+        </p:nvSpPr>
+        <p:spPr/>
+        <p:txBody>
+          <a:bodyPr/>
+          <a:lstStyle/>
+          <a:p>
+            <a:r>
+              <a:rPr lang="en-US" dirty="0"/>
+              <a:t>Certificates</a:t>
+            </a:r>
+          </a:p>
+        </p:txBody>
+      </p:sp>
+      <p:sp>
+        <p:nvSpPr>
+          <p:cNvPr id="3" name="Subtitle 2">
+            <a:extLst>
+              <a:ext uri="{FF2B5EF4-FFF2-40B4-BE49-F238E27FC236}">
+                <a16:creationId xmlns:a16="http://schemas.microsoft.com/office/drawing/2014/main" id="{E906C6DA-740A-1E63-C8E5-E23B20305CB7}"/>
+              </a:ext>
+            </a:extLst>
+          </p:cNvPr>
+          <p:cNvSpPr>
+            <a:spLocks noGrp="1"/>
+          </p:cNvSpPr>
+          <p:nvPr>
+            <p:ph type="subTitle" idx="1"/>
+          </p:nvPr>
+        </p:nvSpPr>
+        <p:spPr/>
+        <p:txBody>
+          <a:bodyPr/>
+          <a:lstStyle/>
+          <a:p>
+            <a:endParaRPr lang="en-US"/>
+          </a:p>
+        </p:txBody>
+      </p:sp>
+    </p:spTree>
+    <p:extLst>
+      <p:ext uri="{BB962C8B-B14F-4D97-AF65-F5344CB8AC3E}">
+        <p14:creationId xmlns:p14="http://schemas.microsoft.com/office/powerpoint/2010/main" val="2917432746"/>
+      </p:ext>
+    </p:extLst>
+  </p:cSld>
+  <p:clrMapOvr>
+    <a:masterClrMapping/>
+  </p:clrMapOvr>
+</p:sld>
+</file>
+
 <file path=ppt/slides/slide2.xml><?xml version="1.0" encoding="utf-8"?>
 <p:sld xmlns:a="http://schemas.openxmlformats.org/drawingml/2006/main" xmlns:r="http://schemas.openxmlformats.org/officeDocument/2006/relationships" xmlns:p="http://schemas.openxmlformats.org/presentationml/2006/main">
   <p:cSld>
@@ -16617,6 +17845,89 @@
     <p:extLst>
       <p:ext uri="{BB962C8B-B14F-4D97-AF65-F5344CB8AC3E}">
         <p14:creationId xmlns:p14="http://schemas.microsoft.com/office/powerpoint/2010/main" val="4424935"/>
+      </p:ext>
+    </p:extLst>
+  </p:cSld>
+  <p:clrMapOvr>
+    <a:masterClrMapping/>
+  </p:clrMapOvr>
+</p:sld>
+</file>
+
+<file path=ppt/slides/slide20.xml><?xml version="1.0" encoding="utf-8"?>
+<p:sld xmlns:a="http://schemas.openxmlformats.org/drawingml/2006/main" xmlns:r="http://schemas.openxmlformats.org/officeDocument/2006/relationships" xmlns:p="http://schemas.openxmlformats.org/presentationml/2006/main">
+  <p:cSld>
+    <p:spTree>
+      <p:nvGrpSpPr>
+        <p:cNvPr id="1" name=""/>
+        <p:cNvGrpSpPr/>
+        <p:nvPr/>
+      </p:nvGrpSpPr>
+      <p:grpSpPr>
+        <a:xfrm>
+          <a:off x="0" y="0"/>
+          <a:ext cx="0" cy="0"/>
+          <a:chOff x="0" y="0"/>
+          <a:chExt cx="0" cy="0"/>
+        </a:xfrm>
+      </p:grpSpPr>
+      <p:sp>
+        <p:nvSpPr>
+          <p:cNvPr id="2" name="Title 1">
+            <a:extLst>
+              <a:ext uri="{FF2B5EF4-FFF2-40B4-BE49-F238E27FC236}">
+                <a16:creationId xmlns:a16="http://schemas.microsoft.com/office/drawing/2014/main" id="{616AC9F1-1AC2-FEBA-4860-469C55254D3E}"/>
+              </a:ext>
+            </a:extLst>
+          </p:cNvPr>
+          <p:cNvSpPr>
+            <a:spLocks noGrp="1"/>
+          </p:cNvSpPr>
+          <p:nvPr>
+            <p:ph type="ctrTitle"/>
+          </p:nvPr>
+        </p:nvSpPr>
+        <p:spPr/>
+        <p:txBody>
+          <a:bodyPr/>
+          <a:lstStyle/>
+          <a:p>
+            <a:r>
+              <a:rPr lang="en-US" dirty="0"/>
+              <a:t>Quantifiers</a:t>
+            </a:r>
+          </a:p>
+        </p:txBody>
+      </p:sp>
+      <p:sp>
+        <p:nvSpPr>
+          <p:cNvPr id="3" name="Subtitle 2">
+            <a:extLst>
+              <a:ext uri="{FF2B5EF4-FFF2-40B4-BE49-F238E27FC236}">
+                <a16:creationId xmlns:a16="http://schemas.microsoft.com/office/drawing/2014/main" id="{E906C6DA-740A-1E63-C8E5-E23B20305CB7}"/>
+              </a:ext>
+            </a:extLst>
+          </p:cNvPr>
+          <p:cNvSpPr>
+            <a:spLocks noGrp="1"/>
+          </p:cNvSpPr>
+          <p:nvPr>
+            <p:ph type="subTitle" idx="1"/>
+          </p:nvPr>
+        </p:nvSpPr>
+        <p:spPr/>
+        <p:txBody>
+          <a:bodyPr/>
+          <a:lstStyle/>
+          <a:p>
+            <a:endParaRPr lang="en-US"/>
+          </a:p>
+        </p:txBody>
+      </p:sp>
+    </p:spTree>
+    <p:extLst>
+      <p:ext uri="{BB962C8B-B14F-4D97-AF65-F5344CB8AC3E}">
+        <p14:creationId xmlns:p14="http://schemas.microsoft.com/office/powerpoint/2010/main" val="2276002505"/>
       </p:ext>
     </p:extLst>
   </p:cSld>
@@ -22961,6 +24272,21 @@
 </file>
 
 <file path=customXml/item1.xml><?xml version="1.0" encoding="utf-8"?>
+<p:properties xmlns:p="http://schemas.microsoft.com/office/2006/metadata/properties" xmlns:xsi="http://www.w3.org/2001/XMLSchema-instance" xmlns:pc="http://schemas.microsoft.com/office/infopath/2007/PartnerControls">
+  <documentManagement/>
+</p:properties>
+</file>
+
+<file path=customXml/item2.xml><?xml version="1.0" encoding="utf-8"?>
+<?mso-contentType ?>
+<FormTemplates xmlns="http://schemas.microsoft.com/sharepoint/v3/contenttype/forms">
+  <Display>DocumentLibraryForm</Display>
+  <Edit>DocumentLibraryForm</Edit>
+  <New>DocumentLibraryForm</New>
+</FormTemplates>
+</file>
+
+<file path=customXml/item3.xml><?xml version="1.0" encoding="utf-8"?>
 <ct:contentTypeSchema xmlns:ct="http://schemas.microsoft.com/office/2006/metadata/contentType" xmlns:ma="http://schemas.microsoft.com/office/2006/metadata/properties/metaAttributes" ct:_="" ma:_="" ma:contentTypeName="Document" ma:contentTypeID="0x01010097FD63E395080A43A32F443B5DB3CA82" ma:contentTypeVersion="15" ma:contentTypeDescription="Create a new document." ma:contentTypeScope="" ma:versionID="a3e21556ad7696f46e6aeed3e8446d09">
   <xsd:schema xmlns:xsd="http://www.w3.org/2001/XMLSchema" xmlns:xs="http://www.w3.org/2001/XMLSchema" xmlns:p="http://schemas.microsoft.com/office/2006/metadata/properties" xmlns:ns3="1eac365c-24b9-49f6-8b08-64a95c9e0c2d" xmlns:ns4="a2be3752-dc5b-4cdd-a620-72e6c83e257b" targetNamespace="http://schemas.microsoft.com/office/2006/metadata/properties" ma:root="true" ma:fieldsID="4546fefd2005ff12357c2bd0a43b79fc" ns3:_="" ns4:_="">
     <xsd:import namespace="1eac365c-24b9-49f6-8b08-64a95c9e0c2d"/>
@@ -23197,22 +24523,32 @@
 </ct:contentTypeSchema>
 </file>
 
-<file path=customXml/item2.xml><?xml version="1.0" encoding="utf-8"?>
-<?mso-contentType ?>
-<FormTemplates xmlns="http://schemas.microsoft.com/sharepoint/v3/contenttype/forms">
-  <Display>DocumentLibraryForm</Display>
-  <Edit>DocumentLibraryForm</Edit>
-  <New>DocumentLibraryForm</New>
-</FormTemplates>
+<file path=customXml/itemProps1.xml><?xml version="1.0" encoding="utf-8"?>
+<ds:datastoreItem xmlns:ds="http://schemas.openxmlformats.org/officeDocument/2006/customXml" ds:itemID="{3DA4B80E-AB13-4EE9-A8E3-2ACC6F11AFAD}">
+  <ds:schemaRefs>
+    <ds:schemaRef ds:uri="http://schemas.openxmlformats.org/package/2006/metadata/core-properties"/>
+    <ds:schemaRef ds:uri="http://schemas.microsoft.com/office/infopath/2007/PartnerControls"/>
+    <ds:schemaRef ds:uri="http://schemas.microsoft.com/office/2006/documentManagement/types"/>
+    <ds:schemaRef ds:uri="http://www.w3.org/XML/1998/namespace"/>
+    <ds:schemaRef ds:uri="http://purl.org/dc/elements/1.1/"/>
+    <ds:schemaRef ds:uri="a2be3752-dc5b-4cdd-a620-72e6c83e257b"/>
+    <ds:schemaRef ds:uri="http://purl.org/dc/dcmitype/"/>
+    <ds:schemaRef ds:uri="1eac365c-24b9-49f6-8b08-64a95c9e0c2d"/>
+    <ds:schemaRef ds:uri="http://purl.org/dc/terms/"/>
+    <ds:schemaRef ds:uri="http://schemas.microsoft.com/office/2006/metadata/properties"/>
+  </ds:schemaRefs>
+</ds:datastoreItem>
 </file>
 
-<file path=customXml/item3.xml><?xml version="1.0" encoding="utf-8"?>
-<p:properties xmlns:p="http://schemas.microsoft.com/office/2006/metadata/properties" xmlns:xsi="http://www.w3.org/2001/XMLSchema-instance" xmlns:pc="http://schemas.microsoft.com/office/infopath/2007/PartnerControls">
-  <documentManagement/>
-</p:properties>
+<file path=customXml/itemProps2.xml><?xml version="1.0" encoding="utf-8"?>
+<ds:datastoreItem xmlns:ds="http://schemas.openxmlformats.org/officeDocument/2006/customXml" ds:itemID="{B5E21315-3456-4FBC-8807-B24E962756AF}">
+  <ds:schemaRefs>
+    <ds:schemaRef ds:uri="http://schemas.microsoft.com/sharepoint/v3/contenttype/forms"/>
+  </ds:schemaRefs>
+</ds:datastoreItem>
 </file>
 
-<file path=customXml/itemProps1.xml><?xml version="1.0" encoding="utf-8"?>
+<file path=customXml/itemProps3.xml><?xml version="1.0" encoding="utf-8"?>
 <ds:datastoreItem xmlns:ds="http://schemas.openxmlformats.org/officeDocument/2006/customXml" ds:itemID="{AF506A69-CB65-41D0-9E76-2210A713824C}">
   <ds:schemaRefs>
     <ds:schemaRef ds:uri="1eac365c-24b9-49f6-8b08-64a95c9e0c2d"/>
@@ -23231,31 +24567,6 @@
 </ds:datastoreItem>
 </file>
 
-<file path=customXml/itemProps2.xml><?xml version="1.0" encoding="utf-8"?>
-<ds:datastoreItem xmlns:ds="http://schemas.openxmlformats.org/officeDocument/2006/customXml" ds:itemID="{B5E21315-3456-4FBC-8807-B24E962756AF}">
-  <ds:schemaRefs>
-    <ds:schemaRef ds:uri="http://schemas.microsoft.com/sharepoint/v3/contenttype/forms"/>
-  </ds:schemaRefs>
-</ds:datastoreItem>
-</file>
-
-<file path=customXml/itemProps3.xml><?xml version="1.0" encoding="utf-8"?>
-<ds:datastoreItem xmlns:ds="http://schemas.openxmlformats.org/officeDocument/2006/customXml" ds:itemID="{3DA4B80E-AB13-4EE9-A8E3-2ACC6F11AFAD}">
-  <ds:schemaRefs>
-    <ds:schemaRef ds:uri="http://schemas.openxmlformats.org/package/2006/metadata/core-properties"/>
-    <ds:schemaRef ds:uri="http://schemas.microsoft.com/office/infopath/2007/PartnerControls"/>
-    <ds:schemaRef ds:uri="http://schemas.microsoft.com/office/2006/documentManagement/types"/>
-    <ds:schemaRef ds:uri="http://www.w3.org/XML/1998/namespace"/>
-    <ds:schemaRef ds:uri="http://purl.org/dc/elements/1.1/"/>
-    <ds:schemaRef ds:uri="a2be3752-dc5b-4cdd-a620-72e6c83e257b"/>
-    <ds:schemaRef ds:uri="http://purl.org/dc/dcmitype/"/>
-    <ds:schemaRef ds:uri="1eac365c-24b9-49f6-8b08-64a95c9e0c2d"/>
-    <ds:schemaRef ds:uri="http://purl.org/dc/terms/"/>
-    <ds:schemaRef ds:uri="http://schemas.microsoft.com/office/2006/metadata/properties"/>
-  </ds:schemaRefs>
-</ds:datastoreItem>
-</file>
-
 <file path=docMetadata/LabelInfo.xml><?xml version="1.0" encoding="utf-8"?>
 <clbl:labelList xmlns:clbl="http://schemas.microsoft.com/office/2020/mipLabelMetadata">
   <clbl:label id="{f42aa342-8706-4288-bd11-ebb85995028c}" enabled="1" method="Standard" siteId="{72f988bf-86f1-41af-91ab-2d7cd011db47}" removed="0"/>

--- a/internals/tutorial/z3internals.pptx
+++ b/internals/tutorial/z3internals.pptx
@@ -5,7 +5,7 @@
     <p:sldMasterId id="2147483648" r:id="rId4"/>
   </p:sldMasterIdLst>
   <p:notesMasterIdLst>
-    <p:notesMasterId r:id="rId25"/>
+    <p:notesMasterId r:id="rId28"/>
   </p:notesMasterIdLst>
   <p:sldIdLst>
     <p:sldId id="256" r:id="rId5"/>
@@ -21,13 +21,16 @@
     <p:sldId id="2146847126" r:id="rId15"/>
     <p:sldId id="2146847125" r:id="rId16"/>
     <p:sldId id="2146847127" r:id="rId17"/>
-    <p:sldId id="2146847133" r:id="rId18"/>
-    <p:sldId id="2146847128" r:id="rId19"/>
-    <p:sldId id="2146847129" r:id="rId20"/>
-    <p:sldId id="2146847130" r:id="rId21"/>
-    <p:sldId id="2146847131" r:id="rId22"/>
-    <p:sldId id="2146847132" r:id="rId23"/>
-    <p:sldId id="2146847134" r:id="rId24"/>
+    <p:sldId id="2146847135" r:id="rId18"/>
+    <p:sldId id="2146847136" r:id="rId19"/>
+    <p:sldId id="2146847137" r:id="rId20"/>
+    <p:sldId id="2146847133" r:id="rId21"/>
+    <p:sldId id="2146847128" r:id="rId22"/>
+    <p:sldId id="2146847129" r:id="rId23"/>
+    <p:sldId id="2146847130" r:id="rId24"/>
+    <p:sldId id="2146847131" r:id="rId25"/>
+    <p:sldId id="2146847132" r:id="rId26"/>
+    <p:sldId id="2146847134" r:id="rId27"/>
   </p:sldIdLst>
   <p:sldSz cx="12192000" cy="6858000"/>
   <p:notesSz cx="6858000" cy="9144000"/>
@@ -3913,6 +3916,22 @@
     </pc:docChg>
   </pc:docChgLst>
   <pc:docChgLst>
+    <pc:chgData name="Marina Polishchuk" userId="d1124fec-3359-4d68-824d-9a92ca4885b8" providerId="ADAL" clId="{EF75DE75-69F7-434E-8521-2A6B9E4735B8}"/>
+    <pc:docChg chg="sldOrd">
+      <pc:chgData name="Marina Polishchuk" userId="d1124fec-3359-4d68-824d-9a92ca4885b8" providerId="ADAL" clId="{EF75DE75-69F7-434E-8521-2A6B9E4735B8}" dt="2022-09-19T01:19:58.059" v="0" actId="20578"/>
+      <pc:docMkLst>
+        <pc:docMk/>
+      </pc:docMkLst>
+      <pc:sldChg chg="ord">
+        <pc:chgData name="Marina Polishchuk" userId="d1124fec-3359-4d68-824d-9a92ca4885b8" providerId="ADAL" clId="{EF75DE75-69F7-434E-8521-2A6B9E4735B8}" dt="2022-09-19T01:19:58.059" v="0" actId="20578"/>
+        <pc:sldMkLst>
+          <pc:docMk/>
+          <pc:sldMk cId="3387305703" sldId="256"/>
+        </pc:sldMkLst>
+      </pc:sldChg>
+    </pc:docChg>
+  </pc:docChgLst>
+  <pc:docChgLst>
     <pc:chgData name="Nikolaj Bjorner" userId="063a94de-0c49-4d58-b22f-4505b39fd664" providerId="ADAL" clId="{FE48DC8D-7F7B-44A1-8AFB-53F1EBFBB018}"/>
     <pc:docChg chg="undo custSel addSld delSld modSld sldOrd">
       <pc:chgData name="Nikolaj Bjorner" userId="063a94de-0c49-4d58-b22f-4505b39fd664" providerId="ADAL" clId="{FE48DC8D-7F7B-44A1-8AFB-53F1EBFBB018}" dt="2021-11-07T19:16:14.512" v="6235" actId="20577"/>
@@ -6659,22 +6678,6 @@
     </pc:docChg>
   </pc:docChgLst>
   <pc:docChgLst>
-    <pc:chgData name="Marina Polishchuk" userId="d1124fec-3359-4d68-824d-9a92ca4885b8" providerId="ADAL" clId="{EF75DE75-69F7-434E-8521-2A6B9E4735B8}"/>
-    <pc:docChg chg="sldOrd">
-      <pc:chgData name="Marina Polishchuk" userId="d1124fec-3359-4d68-824d-9a92ca4885b8" providerId="ADAL" clId="{EF75DE75-69F7-434E-8521-2A6B9E4735B8}" dt="2022-09-19T01:19:58.059" v="0" actId="20578"/>
-      <pc:docMkLst>
-        <pc:docMk/>
-      </pc:docMkLst>
-      <pc:sldChg chg="ord">
-        <pc:chgData name="Marina Polishchuk" userId="d1124fec-3359-4d68-824d-9a92ca4885b8" providerId="ADAL" clId="{EF75DE75-69F7-434E-8521-2A6B9E4735B8}" dt="2022-09-19T01:19:58.059" v="0" actId="20578"/>
-        <pc:sldMkLst>
-          <pc:docMk/>
-          <pc:sldMk cId="3387305703" sldId="256"/>
-        </pc:sldMkLst>
-      </pc:sldChg>
-    </pc:docChg>
-  </pc:docChgLst>
-  <pc:docChgLst>
     <pc:chgData name="Nikolaj Bjorner" userId="063a94de-0c49-4d58-b22f-4505b39fd664" providerId="ADAL" clId="{29765564-0A68-4969-910F-6636C16F6387}"/>
     <pc:docChg chg="undo custSel addSld delSld modSld sldOrd delMainMaster">
       <pc:chgData name="Nikolaj Bjorner" userId="063a94de-0c49-4d58-b22f-4505b39fd664" providerId="ADAL" clId="{29765564-0A68-4969-910F-6636C16F6387}" dt="2022-09-25T11:24:01.714" v="7860" actId="207"/>
@@ -11501,7 +11504,7 @@
           <a:p>
             <a:fld id="{E0060B70-99F6-46DC-AC28-61E24B2D140B}" type="datetimeFigureOut">
               <a:rPr lang="en-US" smtClean="0"/>
-              <a:t>1/3/2023</a:t>
+              <a:t>1/4/2023</a:t>
             </a:fld>
             <a:endParaRPr lang="en-US"/>
           </a:p>
@@ -12431,7 +12434,7 @@
           <a:p>
             <a:fld id="{D71F6AB6-6FBF-4B63-A5C3-90DEBBF6936C}" type="datetimeFigureOut">
               <a:rPr lang="en-US" smtClean="0"/>
-              <a:t>1/3/2023</a:t>
+              <a:t>1/4/2023</a:t>
             </a:fld>
             <a:endParaRPr lang="en-US"/>
           </a:p>
@@ -12629,7 +12632,7 @@
           <a:p>
             <a:fld id="{D71F6AB6-6FBF-4B63-A5C3-90DEBBF6936C}" type="datetimeFigureOut">
               <a:rPr lang="en-US" smtClean="0"/>
-              <a:t>1/3/2023</a:t>
+              <a:t>1/4/2023</a:t>
             </a:fld>
             <a:endParaRPr lang="en-US"/>
           </a:p>
@@ -12837,7 +12840,7 @@
           <a:p>
             <a:fld id="{D71F6AB6-6FBF-4B63-A5C3-90DEBBF6936C}" type="datetimeFigureOut">
               <a:rPr lang="en-US" smtClean="0"/>
-              <a:t>1/3/2023</a:t>
+              <a:t>1/4/2023</a:t>
             </a:fld>
             <a:endParaRPr lang="en-US"/>
           </a:p>
@@ -13035,7 +13038,7 @@
           <a:p>
             <a:fld id="{D71F6AB6-6FBF-4B63-A5C3-90DEBBF6936C}" type="datetimeFigureOut">
               <a:rPr lang="en-US" smtClean="0"/>
-              <a:t>1/3/2023</a:t>
+              <a:t>1/4/2023</a:t>
             </a:fld>
             <a:endParaRPr lang="en-US"/>
           </a:p>
@@ -13310,7 +13313,7 @@
           <a:p>
             <a:fld id="{D71F6AB6-6FBF-4B63-A5C3-90DEBBF6936C}" type="datetimeFigureOut">
               <a:rPr lang="en-US" smtClean="0"/>
-              <a:t>1/3/2023</a:t>
+              <a:t>1/4/2023</a:t>
             </a:fld>
             <a:endParaRPr lang="en-US"/>
           </a:p>
@@ -13575,7 +13578,7 @@
           <a:p>
             <a:fld id="{D71F6AB6-6FBF-4B63-A5C3-90DEBBF6936C}" type="datetimeFigureOut">
               <a:rPr lang="en-US" smtClean="0"/>
-              <a:t>1/3/2023</a:t>
+              <a:t>1/4/2023</a:t>
             </a:fld>
             <a:endParaRPr lang="en-US"/>
           </a:p>
@@ -13987,7 +13990,7 @@
           <a:p>
             <a:fld id="{D71F6AB6-6FBF-4B63-A5C3-90DEBBF6936C}" type="datetimeFigureOut">
               <a:rPr lang="en-US" smtClean="0"/>
-              <a:t>1/3/2023</a:t>
+              <a:t>1/4/2023</a:t>
             </a:fld>
             <a:endParaRPr lang="en-US"/>
           </a:p>
@@ -14128,7 +14131,7 @@
           <a:p>
             <a:fld id="{D71F6AB6-6FBF-4B63-A5C3-90DEBBF6936C}" type="datetimeFigureOut">
               <a:rPr lang="en-US" smtClean="0"/>
-              <a:t>1/3/2023</a:t>
+              <a:t>1/4/2023</a:t>
             </a:fld>
             <a:endParaRPr lang="en-US"/>
           </a:p>
@@ -14241,7 +14244,7 @@
           <a:p>
             <a:fld id="{D71F6AB6-6FBF-4B63-A5C3-90DEBBF6936C}" type="datetimeFigureOut">
               <a:rPr lang="en-US" smtClean="0"/>
-              <a:t>1/3/2023</a:t>
+              <a:t>1/4/2023</a:t>
             </a:fld>
             <a:endParaRPr lang="en-US"/>
           </a:p>
@@ -14552,7 +14555,7 @@
           <a:p>
             <a:fld id="{D71F6AB6-6FBF-4B63-A5C3-90DEBBF6936C}" type="datetimeFigureOut">
               <a:rPr lang="en-US" smtClean="0"/>
-              <a:t>1/3/2023</a:t>
+              <a:t>1/4/2023</a:t>
             </a:fld>
             <a:endParaRPr lang="en-US"/>
           </a:p>
@@ -14840,7 +14843,7 @@
           <a:p>
             <a:fld id="{D71F6AB6-6FBF-4B63-A5C3-90DEBBF6936C}" type="datetimeFigureOut">
               <a:rPr lang="en-US" smtClean="0"/>
-              <a:t>1/3/2023</a:t>
+              <a:t>1/4/2023</a:t>
             </a:fld>
             <a:endParaRPr lang="en-US"/>
           </a:p>
@@ -15081,7 +15084,7 @@
           <a:p>
             <a:fld id="{D71F6AB6-6FBF-4B63-A5C3-90DEBBF6936C}" type="datetimeFigureOut">
               <a:rPr lang="en-US" smtClean="0"/>
-              <a:t>1/3/2023</a:t>
+              <a:t>1/4/2023</a:t>
             </a:fld>
             <a:endParaRPr lang="en-US"/>
           </a:p>
@@ -16767,27 +16770,25 @@
             <a:spLocks noGrp="1"/>
           </p:cNvSpPr>
           <p:nvPr>
-            <p:ph idx="1"/>
+            <p:ph sz="half" idx="1"/>
           </p:nvPr>
         </p:nvSpPr>
         <p:spPr/>
         <p:txBody>
-          <a:bodyPr/>
+          <a:bodyPr>
+            <a:normAutofit/>
+          </a:bodyPr>
           <a:lstStyle/>
           <a:p>
-            <a:r>
-              <a:rPr lang="en-US" b="0" i="0" dirty="0">
-                <a:solidFill>
-                  <a:srgbClr val="000000"/>
-                </a:solidFill>
-                <a:effectLst/>
-                <a:latin typeface="Cambria" panose="02040503050406030204" pitchFamily="18" charset="0"/>
-              </a:rPr>
-              <a:t>What are the main </a:t>
-            </a:r>
-          </a:p>
-          <a:p>
-            <a:pPr lvl="1"/>
+            <a:endParaRPr lang="en-US" b="0" i="0" dirty="0">
+              <a:solidFill>
+                <a:srgbClr val="000000"/>
+              </a:solidFill>
+              <a:effectLst/>
+              <a:latin typeface="Cambria" panose="02040503050406030204" pitchFamily="18" charset="0"/>
+            </a:endParaRPr>
+          </a:p>
+          <a:p>
             <a:r>
               <a:rPr lang="en-US" dirty="0">
                 <a:solidFill>
@@ -16799,7 +16800,6 @@
             </a:r>
           </a:p>
           <a:p>
-            <a:pPr lvl="1"/>
             <a:r>
               <a:rPr lang="en-US" dirty="0">
                 <a:solidFill>
@@ -16811,7 +16811,6 @@
             </a:r>
           </a:p>
           <a:p>
-            <a:pPr lvl="1"/>
             <a:r>
               <a:rPr lang="en-US" b="0" i="0" dirty="0">
                 <a:solidFill>
@@ -16824,7 +16823,6 @@
             </a:r>
           </a:p>
           <a:p>
-            <a:pPr lvl="1"/>
             <a:r>
               <a:rPr lang="en-US" dirty="0">
                 <a:solidFill>
@@ -16843,7 +16841,6 @@
             </a:endParaRPr>
           </a:p>
           <a:p>
-            <a:pPr lvl="1"/>
             <a:r>
               <a:rPr lang="en-US" dirty="0">
                 <a:solidFill>
@@ -16855,7 +16852,6 @@
             </a:r>
           </a:p>
           <a:p>
-            <a:pPr lvl="1"/>
             <a:r>
               <a:rPr lang="en-US" b="0" i="0" dirty="0">
                 <a:solidFill>
@@ -16874,6 +16870,53 @@
                 <a:srgbClr val="000000"/>
               </a:solidFill>
               <a:effectLst/>
+              <a:latin typeface="Cambria" panose="02040503050406030204" pitchFamily="18" charset="0"/>
+            </a:endParaRPr>
+          </a:p>
+          <a:p>
+            <a:pPr marL="0" indent="0">
+              <a:buNone/>
+            </a:pPr>
+            <a:endParaRPr lang="en-US" dirty="0"/>
+          </a:p>
+        </p:txBody>
+      </p:sp>
+      <p:sp>
+        <p:nvSpPr>
+          <p:cNvPr id="2" name="Content Placeholder 1">
+            <a:extLst>
+              <a:ext uri="{FF2B5EF4-FFF2-40B4-BE49-F238E27FC236}">
+                <a16:creationId xmlns:a16="http://schemas.microsoft.com/office/drawing/2014/main" id="{F04EB75E-C3A2-1B27-8CC4-A7B1689DB999}"/>
+              </a:ext>
+            </a:extLst>
+          </p:cNvPr>
+          <p:cNvSpPr>
+            <a:spLocks noGrp="1"/>
+          </p:cNvSpPr>
+          <p:nvPr>
+            <p:ph sz="half" idx="2"/>
+          </p:nvPr>
+        </p:nvSpPr>
+        <p:spPr/>
+        <p:txBody>
+          <a:bodyPr/>
+          <a:lstStyle/>
+          <a:p>
+            <a:r>
+              <a:rPr lang="en-US" dirty="0">
+                <a:solidFill>
+                  <a:srgbClr val="000000"/>
+                </a:solidFill>
+                <a:latin typeface="Cambria" panose="02040503050406030204" pitchFamily="18" charset="0"/>
+              </a:rPr>
+              <a:t>Anatomy of Congruence Closure</a:t>
+            </a:r>
+          </a:p>
+          <a:p>
+            <a:endParaRPr lang="en-US" dirty="0">
+              <a:solidFill>
+                <a:srgbClr val="000000"/>
+              </a:solidFill>
               <a:latin typeface="Cambria" panose="02040503050406030204" pitchFamily="18" charset="0"/>
             </a:endParaRPr>
           </a:p>
@@ -16899,7 +16942,19 @@
             </a:r>
           </a:p>
           <a:p>
-            <a:endParaRPr lang="en-US" dirty="0"/>
+            <a:endParaRPr lang="en-US" b="0" i="0" dirty="0">
+              <a:solidFill>
+                <a:srgbClr val="000000"/>
+              </a:solidFill>
+              <a:effectLst/>
+              <a:latin typeface="Cambria" panose="02040503050406030204" pitchFamily="18" charset="0"/>
+            </a:endParaRPr>
+          </a:p>
+          <a:p>
+            <a:r>
+              <a:rPr lang="en-US" dirty="0"/>
+              <a:t>How do solvers implement search?</a:t>
+            </a:r>
           </a:p>
         </p:txBody>
       </p:sp>
@@ -17235,7 +17290,7 @@
           <p:cNvPr id="2" name="Title 1">
             <a:extLst>
               <a:ext uri="{FF2B5EF4-FFF2-40B4-BE49-F238E27FC236}">
-                <a16:creationId xmlns:a16="http://schemas.microsoft.com/office/drawing/2014/main" id="{616AC9F1-1AC2-FEBA-4860-469C55254D3E}"/>
+                <a16:creationId xmlns:a16="http://schemas.microsoft.com/office/drawing/2014/main" id="{13567344-3E79-EB6F-BB76-ED84FFADF8B4}"/>
               </a:ext>
             </a:extLst>
           </p:cNvPr>
@@ -17243,7 +17298,7 @@
             <a:spLocks noGrp="1"/>
           </p:cNvSpPr>
           <p:nvPr>
-            <p:ph type="ctrTitle"/>
+            <p:ph type="title"/>
           </p:nvPr>
         </p:nvSpPr>
         <p:spPr/>
@@ -17253,17 +17308,17 @@
           <a:p>
             <a:r>
               <a:rPr lang="en-US" dirty="0"/>
-              <a:t>Tactics</a:t>
+              <a:t>Formulating Formulas for Z3</a:t>
             </a:r>
           </a:p>
         </p:txBody>
       </p:sp>
       <p:sp>
         <p:nvSpPr>
-          <p:cNvPr id="3" name="Subtitle 2">
+          <p:cNvPr id="3" name="Content Placeholder 2">
             <a:extLst>
               <a:ext uri="{FF2B5EF4-FFF2-40B4-BE49-F238E27FC236}">
-                <a16:creationId xmlns:a16="http://schemas.microsoft.com/office/drawing/2014/main" id="{E906C6DA-740A-1E63-C8E5-E23B20305CB7}"/>
+                <a16:creationId xmlns:a16="http://schemas.microsoft.com/office/drawing/2014/main" id="{59E48260-1D30-8A32-821C-8F1C823E9E63}"/>
               </a:ext>
             </a:extLst>
           </p:cNvPr>
@@ -17271,7 +17326,7 @@
             <a:spLocks noGrp="1"/>
           </p:cNvSpPr>
           <p:nvPr>
-            <p:ph type="subTitle" idx="1"/>
+            <p:ph idx="1"/>
           </p:nvPr>
         </p:nvSpPr>
         <p:spPr/>
@@ -17279,14 +17334,57 @@
           <a:bodyPr/>
           <a:lstStyle/>
           <a:p>
-            <a:endParaRPr lang="en-US"/>
+            <a:r>
+              <a:rPr lang="en-US" dirty="0"/>
+              <a:t>Capturing Finite domains as propositional theories</a:t>
+            </a:r>
+          </a:p>
+          <a:p>
+            <a:pPr lvl="1"/>
+            <a:r>
+              <a:rPr lang="en-US" dirty="0"/>
+              <a:t>SAT</a:t>
+            </a:r>
+          </a:p>
+          <a:p>
+            <a:pPr lvl="1"/>
+            <a:r>
+              <a:rPr lang="en-US" dirty="0"/>
+              <a:t>BV = SAT or SAT + equality propagation</a:t>
+            </a:r>
+          </a:p>
+          <a:p>
+            <a:pPr lvl="1"/>
+            <a:r>
+              <a:rPr lang="en-US" dirty="0"/>
+              <a:t>PB = SAT + cardinality + weighted Boolean inequalities</a:t>
+            </a:r>
+          </a:p>
+          <a:p>
+            <a:pPr lvl="1"/>
+            <a:endParaRPr lang="en-US" dirty="0"/>
+          </a:p>
+          <a:p>
+            <a:r>
+              <a:rPr lang="en-US" dirty="0"/>
+              <a:t>Symmetries</a:t>
+            </a:r>
+          </a:p>
+          <a:p>
+            <a:endParaRPr lang="en-US" dirty="0"/>
+          </a:p>
+          <a:p>
+            <a:r>
+              <a:rPr lang="en-US" dirty="0"/>
+              <a:t>Programming With Quantifiers</a:t>
+            </a:r>
           </a:p>
         </p:txBody>
       </p:sp>
     </p:spTree>
     <p:extLst>
       <p:ext uri="{BB962C8B-B14F-4D97-AF65-F5344CB8AC3E}">
-        <p14:creationId xmlns:p14="http://schemas.microsoft.com/office/powerpoint/2010/main" val="3759470962"/>
+        <p14:creationId xmlns:p14="http://schemas.microsoft.com/office/powerpoint/2010/main" val="2242675325"/>
       </p:ext>
     </p:extLst>
   </p:cSld>
@@ -17318,7 +17416,7 @@
           <p:cNvPr id="2" name="Title 1">
             <a:extLst>
               <a:ext uri="{FF2B5EF4-FFF2-40B4-BE49-F238E27FC236}">
-                <a16:creationId xmlns:a16="http://schemas.microsoft.com/office/drawing/2014/main" id="{616AC9F1-1AC2-FEBA-4860-469C55254D3E}"/>
+                <a16:creationId xmlns:a16="http://schemas.microsoft.com/office/drawing/2014/main" id="{13567344-3E79-EB6F-BB76-ED84FFADF8B4}"/>
               </a:ext>
             </a:extLst>
           </p:cNvPr>
@@ -17326,7 +17424,7 @@
             <a:spLocks noGrp="1"/>
           </p:cNvSpPr>
           <p:nvPr>
-            <p:ph type="ctrTitle"/>
+            <p:ph type="title"/>
           </p:nvPr>
         </p:nvSpPr>
         <p:spPr/>
@@ -17336,17 +17434,17 @@
           <a:p>
             <a:r>
               <a:rPr lang="en-US" dirty="0"/>
-              <a:t>Solver Engines</a:t>
+              <a:t>Controlling Search</a:t>
             </a:r>
           </a:p>
         </p:txBody>
       </p:sp>
       <p:sp>
         <p:nvSpPr>
-          <p:cNvPr id="3" name="Subtitle 2">
+          <p:cNvPr id="3" name="Content Placeholder 2">
             <a:extLst>
               <a:ext uri="{FF2B5EF4-FFF2-40B4-BE49-F238E27FC236}">
-                <a16:creationId xmlns:a16="http://schemas.microsoft.com/office/drawing/2014/main" id="{E906C6DA-740A-1E63-C8E5-E23B20305CB7}"/>
+                <a16:creationId xmlns:a16="http://schemas.microsoft.com/office/drawing/2014/main" id="{59E48260-1D30-8A32-821C-8F1C823E9E63}"/>
               </a:ext>
             </a:extLst>
           </p:cNvPr>
@@ -17354,7 +17452,7 @@
             <a:spLocks noGrp="1"/>
           </p:cNvSpPr>
           <p:nvPr>
-            <p:ph type="subTitle" idx="1"/>
+            <p:ph idx="1"/>
           </p:nvPr>
         </p:nvSpPr>
         <p:spPr/>
@@ -17362,14 +17460,66 @@
           <a:bodyPr/>
           <a:lstStyle/>
           <a:p>
-            <a:endParaRPr lang="en-US"/>
+            <a:r>
+              <a:rPr lang="en-US" dirty="0"/>
+              <a:t>SAT engine control</a:t>
+            </a:r>
+          </a:p>
+          <a:p>
+            <a:pPr lvl="1"/>
+            <a:r>
+              <a:rPr lang="en-US" dirty="0"/>
+              <a:t>Variable phases</a:t>
+            </a:r>
+          </a:p>
+          <a:p>
+            <a:pPr lvl="1"/>
+            <a:r>
+              <a:rPr lang="en-US" dirty="0" err="1"/>
+              <a:t>Sat.threads</a:t>
+            </a:r>
+            <a:r>
+              <a:rPr lang="en-US" dirty="0"/>
+              <a:t>, </a:t>
+            </a:r>
+            <a:r>
+              <a:rPr lang="en-US" dirty="0" err="1"/>
+              <a:t>parallel.enable</a:t>
+            </a:r>
+            <a:endParaRPr lang="en-US" dirty="0"/>
+          </a:p>
+          <a:p>
+            <a:pPr lvl="1"/>
+            <a:r>
+              <a:rPr lang="en-US" dirty="0"/>
+              <a:t>Lookahead Solving</a:t>
+            </a:r>
+          </a:p>
+          <a:p>
+            <a:pPr lvl="1"/>
+            <a:endParaRPr lang="en-US" dirty="0"/>
+          </a:p>
+          <a:p>
+            <a:r>
+              <a:rPr lang="en-US" dirty="0"/>
+              <a:t>Ackermann reduction</a:t>
+            </a:r>
+          </a:p>
+          <a:p>
+            <a:endParaRPr lang="en-US" dirty="0"/>
+          </a:p>
+          <a:p>
+            <a:r>
+              <a:rPr lang="en-US" dirty="0"/>
+              <a:t>Arithmetic and finite domains</a:t>
+            </a:r>
           </a:p>
         </p:txBody>
       </p:sp>
     </p:spTree>
     <p:extLst>
       <p:ext uri="{BB962C8B-B14F-4D97-AF65-F5344CB8AC3E}">
-        <p14:creationId xmlns:p14="http://schemas.microsoft.com/office/powerpoint/2010/main" val="1147264954"/>
+        <p14:creationId xmlns:p14="http://schemas.microsoft.com/office/powerpoint/2010/main" val="3000582179"/>
       </p:ext>
     </p:extLst>
   </p:cSld>
@@ -17401,7 +17551,7 @@
           <p:cNvPr id="2" name="Title 1">
             <a:extLst>
               <a:ext uri="{FF2B5EF4-FFF2-40B4-BE49-F238E27FC236}">
-                <a16:creationId xmlns:a16="http://schemas.microsoft.com/office/drawing/2014/main" id="{616AC9F1-1AC2-FEBA-4860-469C55254D3E}"/>
+                <a16:creationId xmlns:a16="http://schemas.microsoft.com/office/drawing/2014/main" id="{13567344-3E79-EB6F-BB76-ED84FFADF8B4}"/>
               </a:ext>
             </a:extLst>
           </p:cNvPr>
@@ -17409,7 +17559,7 @@
             <a:spLocks noGrp="1"/>
           </p:cNvSpPr>
           <p:nvPr>
-            <p:ph type="ctrTitle"/>
+            <p:ph type="title"/>
           </p:nvPr>
         </p:nvSpPr>
         <p:spPr/>
@@ -17419,17 +17569,17 @@
           <a:p>
             <a:r>
               <a:rPr lang="en-US" dirty="0"/>
-              <a:t>Core Decision Procedures</a:t>
+              <a:t>Retrieving Information</a:t>
             </a:r>
           </a:p>
         </p:txBody>
       </p:sp>
       <p:sp>
         <p:nvSpPr>
-          <p:cNvPr id="3" name="Subtitle 2">
+          <p:cNvPr id="3" name="Content Placeholder 2">
             <a:extLst>
               <a:ext uri="{FF2B5EF4-FFF2-40B4-BE49-F238E27FC236}">
-                <a16:creationId xmlns:a16="http://schemas.microsoft.com/office/drawing/2014/main" id="{E906C6DA-740A-1E63-C8E5-E23B20305CB7}"/>
+                <a16:creationId xmlns:a16="http://schemas.microsoft.com/office/drawing/2014/main" id="{59E48260-1D30-8A32-821C-8F1C823E9E63}"/>
               </a:ext>
             </a:extLst>
           </p:cNvPr>
@@ -17437,7 +17587,7 @@
             <a:spLocks noGrp="1"/>
           </p:cNvSpPr>
           <p:nvPr>
-            <p:ph type="subTitle" idx="1"/>
+            <p:ph idx="1"/>
           </p:nvPr>
         </p:nvSpPr>
         <p:spPr/>
@@ -17445,14 +17595,33 @@
           <a:bodyPr/>
           <a:lstStyle/>
           <a:p>
-            <a:endParaRPr lang="en-US"/>
+            <a:r>
+              <a:rPr lang="en-US" dirty="0"/>
+              <a:t>Model, Core, Proof</a:t>
+            </a:r>
+          </a:p>
+          <a:p>
+            <a:r>
+              <a:rPr lang="en-US" dirty="0"/>
+              <a:t>Clausal Proof Logs, Trace</a:t>
+            </a:r>
+          </a:p>
+          <a:p>
+            <a:endParaRPr lang="en-US" dirty="0"/>
+          </a:p>
+          <a:p>
+            <a:r>
+              <a:rPr lang="en-US"/>
+              <a:t>API Log, SMT log, Lemma log</a:t>
+            </a:r>
+            <a:endParaRPr lang="en-US" dirty="0"/>
           </a:p>
         </p:txBody>
       </p:sp>
     </p:spTree>
     <p:extLst>
       <p:ext uri="{BB962C8B-B14F-4D97-AF65-F5344CB8AC3E}">
-        <p14:creationId xmlns:p14="http://schemas.microsoft.com/office/powerpoint/2010/main" val="4091303721"/>
+        <p14:creationId xmlns:p14="http://schemas.microsoft.com/office/powerpoint/2010/main" val="3100657390"/>
       </p:ext>
     </p:extLst>
   </p:cSld>
@@ -17502,7 +17671,7 @@
           <a:p>
             <a:r>
               <a:rPr lang="en-US" dirty="0"/>
-              <a:t>Data-structure Internals</a:t>
+              <a:t>Tactics</a:t>
             </a:r>
           </a:p>
         </p:txBody>
@@ -17535,7 +17704,7 @@
     </p:spTree>
     <p:extLst>
       <p:ext uri="{BB962C8B-B14F-4D97-AF65-F5344CB8AC3E}">
-        <p14:creationId xmlns:p14="http://schemas.microsoft.com/office/powerpoint/2010/main" val="622164358"/>
+        <p14:creationId xmlns:p14="http://schemas.microsoft.com/office/powerpoint/2010/main" val="3759470962"/>
       </p:ext>
     </p:extLst>
   </p:cSld>
@@ -17585,7 +17754,7 @@
           <a:p>
             <a:r>
               <a:rPr lang="en-US" dirty="0"/>
-              <a:t>Models</a:t>
+              <a:t>Solver Engines</a:t>
             </a:r>
           </a:p>
         </p:txBody>
@@ -17618,7 +17787,7 @@
     </p:spTree>
     <p:extLst>
       <p:ext uri="{BB962C8B-B14F-4D97-AF65-F5344CB8AC3E}">
-        <p14:creationId xmlns:p14="http://schemas.microsoft.com/office/powerpoint/2010/main" val="321277498"/>
+        <p14:creationId xmlns:p14="http://schemas.microsoft.com/office/powerpoint/2010/main" val="1147264954"/>
       </p:ext>
     </p:extLst>
   </p:cSld>
@@ -17668,7 +17837,7 @@
           <a:p>
             <a:r>
               <a:rPr lang="en-US" dirty="0"/>
-              <a:t>Certificates</a:t>
+              <a:t>Core Decision Procedures</a:t>
             </a:r>
           </a:p>
         </p:txBody>
@@ -17701,7 +17870,7 @@
     </p:spTree>
     <p:extLst>
       <p:ext uri="{BB962C8B-B14F-4D97-AF65-F5344CB8AC3E}">
-        <p14:creationId xmlns:p14="http://schemas.microsoft.com/office/powerpoint/2010/main" val="2917432746"/>
+        <p14:creationId xmlns:p14="http://schemas.microsoft.com/office/powerpoint/2010/main" val="4091303721"/>
       </p:ext>
     </p:extLst>
   </p:cSld>
@@ -17855,6 +18024,255 @@
 </file>
 
 <file path=ppt/slides/slide20.xml><?xml version="1.0" encoding="utf-8"?>
+<p:sld xmlns:a="http://schemas.openxmlformats.org/drawingml/2006/main" xmlns:r="http://schemas.openxmlformats.org/officeDocument/2006/relationships" xmlns:p="http://schemas.openxmlformats.org/presentationml/2006/main">
+  <p:cSld>
+    <p:spTree>
+      <p:nvGrpSpPr>
+        <p:cNvPr id="1" name=""/>
+        <p:cNvGrpSpPr/>
+        <p:nvPr/>
+      </p:nvGrpSpPr>
+      <p:grpSpPr>
+        <a:xfrm>
+          <a:off x="0" y="0"/>
+          <a:ext cx="0" cy="0"/>
+          <a:chOff x="0" y="0"/>
+          <a:chExt cx="0" cy="0"/>
+        </a:xfrm>
+      </p:grpSpPr>
+      <p:sp>
+        <p:nvSpPr>
+          <p:cNvPr id="2" name="Title 1">
+            <a:extLst>
+              <a:ext uri="{FF2B5EF4-FFF2-40B4-BE49-F238E27FC236}">
+                <a16:creationId xmlns:a16="http://schemas.microsoft.com/office/drawing/2014/main" id="{616AC9F1-1AC2-FEBA-4860-469C55254D3E}"/>
+              </a:ext>
+            </a:extLst>
+          </p:cNvPr>
+          <p:cNvSpPr>
+            <a:spLocks noGrp="1"/>
+          </p:cNvSpPr>
+          <p:nvPr>
+            <p:ph type="ctrTitle"/>
+          </p:nvPr>
+        </p:nvSpPr>
+        <p:spPr/>
+        <p:txBody>
+          <a:bodyPr/>
+          <a:lstStyle/>
+          <a:p>
+            <a:r>
+              <a:rPr lang="en-US" dirty="0"/>
+              <a:t>Data-structure Internals</a:t>
+            </a:r>
+          </a:p>
+        </p:txBody>
+      </p:sp>
+      <p:sp>
+        <p:nvSpPr>
+          <p:cNvPr id="3" name="Subtitle 2">
+            <a:extLst>
+              <a:ext uri="{FF2B5EF4-FFF2-40B4-BE49-F238E27FC236}">
+                <a16:creationId xmlns:a16="http://schemas.microsoft.com/office/drawing/2014/main" id="{E906C6DA-740A-1E63-C8E5-E23B20305CB7}"/>
+              </a:ext>
+            </a:extLst>
+          </p:cNvPr>
+          <p:cNvSpPr>
+            <a:spLocks noGrp="1"/>
+          </p:cNvSpPr>
+          <p:nvPr>
+            <p:ph type="subTitle" idx="1"/>
+          </p:nvPr>
+        </p:nvSpPr>
+        <p:spPr/>
+        <p:txBody>
+          <a:bodyPr/>
+          <a:lstStyle/>
+          <a:p>
+            <a:endParaRPr lang="en-US"/>
+          </a:p>
+        </p:txBody>
+      </p:sp>
+    </p:spTree>
+    <p:extLst>
+      <p:ext uri="{BB962C8B-B14F-4D97-AF65-F5344CB8AC3E}">
+        <p14:creationId xmlns:p14="http://schemas.microsoft.com/office/powerpoint/2010/main" val="622164358"/>
+      </p:ext>
+    </p:extLst>
+  </p:cSld>
+  <p:clrMapOvr>
+    <a:masterClrMapping/>
+  </p:clrMapOvr>
+</p:sld>
+</file>
+
+<file path=ppt/slides/slide21.xml><?xml version="1.0" encoding="utf-8"?>
+<p:sld xmlns:a="http://schemas.openxmlformats.org/drawingml/2006/main" xmlns:r="http://schemas.openxmlformats.org/officeDocument/2006/relationships" xmlns:p="http://schemas.openxmlformats.org/presentationml/2006/main">
+  <p:cSld>
+    <p:spTree>
+      <p:nvGrpSpPr>
+        <p:cNvPr id="1" name=""/>
+        <p:cNvGrpSpPr/>
+        <p:nvPr/>
+      </p:nvGrpSpPr>
+      <p:grpSpPr>
+        <a:xfrm>
+          <a:off x="0" y="0"/>
+          <a:ext cx="0" cy="0"/>
+          <a:chOff x="0" y="0"/>
+          <a:chExt cx="0" cy="0"/>
+        </a:xfrm>
+      </p:grpSpPr>
+      <p:sp>
+        <p:nvSpPr>
+          <p:cNvPr id="2" name="Title 1">
+            <a:extLst>
+              <a:ext uri="{FF2B5EF4-FFF2-40B4-BE49-F238E27FC236}">
+                <a16:creationId xmlns:a16="http://schemas.microsoft.com/office/drawing/2014/main" id="{616AC9F1-1AC2-FEBA-4860-469C55254D3E}"/>
+              </a:ext>
+            </a:extLst>
+          </p:cNvPr>
+          <p:cNvSpPr>
+            <a:spLocks noGrp="1"/>
+          </p:cNvSpPr>
+          <p:nvPr>
+            <p:ph type="ctrTitle"/>
+          </p:nvPr>
+        </p:nvSpPr>
+        <p:spPr/>
+        <p:txBody>
+          <a:bodyPr/>
+          <a:lstStyle/>
+          <a:p>
+            <a:r>
+              <a:rPr lang="en-US" dirty="0"/>
+              <a:t>Models</a:t>
+            </a:r>
+          </a:p>
+        </p:txBody>
+      </p:sp>
+      <p:sp>
+        <p:nvSpPr>
+          <p:cNvPr id="3" name="Subtitle 2">
+            <a:extLst>
+              <a:ext uri="{FF2B5EF4-FFF2-40B4-BE49-F238E27FC236}">
+                <a16:creationId xmlns:a16="http://schemas.microsoft.com/office/drawing/2014/main" id="{E906C6DA-740A-1E63-C8E5-E23B20305CB7}"/>
+              </a:ext>
+            </a:extLst>
+          </p:cNvPr>
+          <p:cNvSpPr>
+            <a:spLocks noGrp="1"/>
+          </p:cNvSpPr>
+          <p:nvPr>
+            <p:ph type="subTitle" idx="1"/>
+          </p:nvPr>
+        </p:nvSpPr>
+        <p:spPr/>
+        <p:txBody>
+          <a:bodyPr/>
+          <a:lstStyle/>
+          <a:p>
+            <a:endParaRPr lang="en-US"/>
+          </a:p>
+        </p:txBody>
+      </p:sp>
+    </p:spTree>
+    <p:extLst>
+      <p:ext uri="{BB962C8B-B14F-4D97-AF65-F5344CB8AC3E}">
+        <p14:creationId xmlns:p14="http://schemas.microsoft.com/office/powerpoint/2010/main" val="321277498"/>
+      </p:ext>
+    </p:extLst>
+  </p:cSld>
+  <p:clrMapOvr>
+    <a:masterClrMapping/>
+  </p:clrMapOvr>
+</p:sld>
+</file>
+
+<file path=ppt/slides/slide22.xml><?xml version="1.0" encoding="utf-8"?>
+<p:sld xmlns:a="http://schemas.openxmlformats.org/drawingml/2006/main" xmlns:r="http://schemas.openxmlformats.org/officeDocument/2006/relationships" xmlns:p="http://schemas.openxmlformats.org/presentationml/2006/main">
+  <p:cSld>
+    <p:spTree>
+      <p:nvGrpSpPr>
+        <p:cNvPr id="1" name=""/>
+        <p:cNvGrpSpPr/>
+        <p:nvPr/>
+      </p:nvGrpSpPr>
+      <p:grpSpPr>
+        <a:xfrm>
+          <a:off x="0" y="0"/>
+          <a:ext cx="0" cy="0"/>
+          <a:chOff x="0" y="0"/>
+          <a:chExt cx="0" cy="0"/>
+        </a:xfrm>
+      </p:grpSpPr>
+      <p:sp>
+        <p:nvSpPr>
+          <p:cNvPr id="2" name="Title 1">
+            <a:extLst>
+              <a:ext uri="{FF2B5EF4-FFF2-40B4-BE49-F238E27FC236}">
+                <a16:creationId xmlns:a16="http://schemas.microsoft.com/office/drawing/2014/main" id="{616AC9F1-1AC2-FEBA-4860-469C55254D3E}"/>
+              </a:ext>
+            </a:extLst>
+          </p:cNvPr>
+          <p:cNvSpPr>
+            <a:spLocks noGrp="1"/>
+          </p:cNvSpPr>
+          <p:nvPr>
+            <p:ph type="ctrTitle"/>
+          </p:nvPr>
+        </p:nvSpPr>
+        <p:spPr/>
+        <p:txBody>
+          <a:bodyPr/>
+          <a:lstStyle/>
+          <a:p>
+            <a:r>
+              <a:rPr lang="en-US" dirty="0"/>
+              <a:t>Certificates</a:t>
+            </a:r>
+          </a:p>
+        </p:txBody>
+      </p:sp>
+      <p:sp>
+        <p:nvSpPr>
+          <p:cNvPr id="3" name="Subtitle 2">
+            <a:extLst>
+              <a:ext uri="{FF2B5EF4-FFF2-40B4-BE49-F238E27FC236}">
+                <a16:creationId xmlns:a16="http://schemas.microsoft.com/office/drawing/2014/main" id="{E906C6DA-740A-1E63-C8E5-E23B20305CB7}"/>
+              </a:ext>
+            </a:extLst>
+          </p:cNvPr>
+          <p:cNvSpPr>
+            <a:spLocks noGrp="1"/>
+          </p:cNvSpPr>
+          <p:nvPr>
+            <p:ph type="subTitle" idx="1"/>
+          </p:nvPr>
+        </p:nvSpPr>
+        <p:spPr/>
+        <p:txBody>
+          <a:bodyPr/>
+          <a:lstStyle/>
+          <a:p>
+            <a:endParaRPr lang="en-US"/>
+          </a:p>
+        </p:txBody>
+      </p:sp>
+    </p:spTree>
+    <p:extLst>
+      <p:ext uri="{BB962C8B-B14F-4D97-AF65-F5344CB8AC3E}">
+        <p14:creationId xmlns:p14="http://schemas.microsoft.com/office/powerpoint/2010/main" val="2917432746"/>
+      </p:ext>
+    </p:extLst>
+  </p:cSld>
+  <p:clrMapOvr>
+    <a:masterClrMapping/>
+  </p:clrMapOvr>
+</p:sld>
+</file>
+
+<file path=ppt/slides/slide23.xml><?xml version="1.0" encoding="utf-8"?>
 <p:sld xmlns:a="http://schemas.openxmlformats.org/drawingml/2006/main" xmlns:r="http://schemas.openxmlformats.org/officeDocument/2006/relationships" xmlns:p="http://schemas.openxmlformats.org/presentationml/2006/main">
   <p:cSld>
     <p:spTree>
@@ -24272,18 +24690,18 @@
 </file>
 
 <file path=customXml/item1.xml><?xml version="1.0" encoding="utf-8"?>
-<p:properties xmlns:p="http://schemas.microsoft.com/office/2006/metadata/properties" xmlns:xsi="http://www.w3.org/2001/XMLSchema-instance" xmlns:pc="http://schemas.microsoft.com/office/infopath/2007/PartnerControls">
-  <documentManagement/>
-</p:properties>
-</file>
-
-<file path=customXml/item2.xml><?xml version="1.0" encoding="utf-8"?>
 <?mso-contentType ?>
 <FormTemplates xmlns="http://schemas.microsoft.com/sharepoint/v3/contenttype/forms">
   <Display>DocumentLibraryForm</Display>
   <Edit>DocumentLibraryForm</Edit>
   <New>DocumentLibraryForm</New>
 </FormTemplates>
+</file>
+
+<file path=customXml/item2.xml><?xml version="1.0" encoding="utf-8"?>
+<p:properties xmlns:p="http://schemas.microsoft.com/office/2006/metadata/properties" xmlns:xsi="http://www.w3.org/2001/XMLSchema-instance" xmlns:pc="http://schemas.microsoft.com/office/infopath/2007/PartnerControls">
+  <documentManagement/>
+</p:properties>
 </file>
 
 <file path=customXml/item3.xml><?xml version="1.0" encoding="utf-8"?>
@@ -24524,6 +24942,14 @@
 </file>
 
 <file path=customXml/itemProps1.xml><?xml version="1.0" encoding="utf-8"?>
+<ds:datastoreItem xmlns:ds="http://schemas.openxmlformats.org/officeDocument/2006/customXml" ds:itemID="{B5E21315-3456-4FBC-8807-B24E962756AF}">
+  <ds:schemaRefs>
+    <ds:schemaRef ds:uri="http://schemas.microsoft.com/sharepoint/v3/contenttype/forms"/>
+  </ds:schemaRefs>
+</ds:datastoreItem>
+</file>
+
+<file path=customXml/itemProps2.xml><?xml version="1.0" encoding="utf-8"?>
 <ds:datastoreItem xmlns:ds="http://schemas.openxmlformats.org/officeDocument/2006/customXml" ds:itemID="{3DA4B80E-AB13-4EE9-A8E3-2ACC6F11AFAD}">
   <ds:schemaRefs>
     <ds:schemaRef ds:uri="http://schemas.openxmlformats.org/package/2006/metadata/core-properties"/>
@@ -24536,14 +24962,6 @@
     <ds:schemaRef ds:uri="1eac365c-24b9-49f6-8b08-64a95c9e0c2d"/>
     <ds:schemaRef ds:uri="http://purl.org/dc/terms/"/>
     <ds:schemaRef ds:uri="http://schemas.microsoft.com/office/2006/metadata/properties"/>
-  </ds:schemaRefs>
-</ds:datastoreItem>
-</file>
-
-<file path=customXml/itemProps2.xml><?xml version="1.0" encoding="utf-8"?>
-<ds:datastoreItem xmlns:ds="http://schemas.openxmlformats.org/officeDocument/2006/customXml" ds:itemID="{B5E21315-3456-4FBC-8807-B24E962756AF}">
-  <ds:schemaRefs>
-    <ds:schemaRef ds:uri="http://schemas.microsoft.com/sharepoint/v3/contenttype/forms"/>
   </ds:schemaRefs>
 </ds:datastoreItem>
 </file>
